--- a/pics/2021-04-23-binomial_distribution/pics.pptx
+++ b/pics/2021-04-23-binomial_distribution/pics.pptx
@@ -104,6 +104,11 @@
       </a:defRPr>
     </a:lvl9pPr>
   </p:defaultTextStyle>
+  <p:extLst>
+    <p:ext uri="{EFAFB233-063F-42B5-8137-9DF3F51BA10A}">
+      <p15:sldGuideLst xmlns:p15="http://schemas.microsoft.com/office/powerpoint/2012/main"/>
+    </p:ext>
+  </p:extLst>
 </p:presentation>
 </file>
 
@@ -3331,10 +3336,10 @@
       </p:grpSpPr>
       <p:pic>
         <p:nvPicPr>
-          <p:cNvPr id="5" name="그림 4">
-            <a:extLst>
-              <a:ext uri="{FF2B5EF4-FFF2-40B4-BE49-F238E27FC236}">
-                <a16:creationId xmlns:a16="http://schemas.microsoft.com/office/drawing/2014/main" id="{EE265480-F376-467F-BCB3-7C55BA239031}"/>
+          <p:cNvPr id="3" name="그림 2">
+            <a:extLst>
+              <a:ext uri="{FF2B5EF4-FFF2-40B4-BE49-F238E27FC236}">
+                <a16:creationId xmlns:a16="http://schemas.microsoft.com/office/drawing/2014/main" id="{955EBE03-7A64-4D14-BE04-30E09CE0A2D4}"/>
               </a:ext>
             </a:extLst>
           </p:cNvPr>
@@ -3351,8 +3356,8 @@
         </p:blipFill>
         <p:spPr>
           <a:xfrm>
-            <a:off x="2381955" y="643466"/>
-            <a:ext cx="7428089" cy="5571067"/>
+            <a:off x="2227868" y="527901"/>
+            <a:ext cx="7736264" cy="5802198"/>
           </a:xfrm>
           <a:prstGeom prst="rect">
             <a:avLst/>

--- a/pics/2021-04-23-binomial_distribution/pics.pptx
+++ b/pics/2021-04-23-binomial_distribution/pics.pptx
@@ -6,6 +6,7 @@
   </p:sldMasterIdLst>
   <p:sldIdLst>
     <p:sldId id="256" r:id="rId2"/>
+    <p:sldId id="257" r:id="rId3"/>
   </p:sldIdLst>
   <p:sldSz cx="12192000" cy="6858000"/>
   <p:notesSz cx="6858000" cy="9144000"/>
@@ -106,7 +107,7 @@
   </p:defaultTextStyle>
   <p:extLst>
     <p:ext uri="{EFAFB233-063F-42B5-8137-9DF3F51BA10A}">
-      <p15:sldGuideLst xmlns:p15="http://schemas.microsoft.com/office/powerpoint/2012/main"/>
+      <p15:sldGuideLst xmlns:p15="http://schemas.microsoft.com/office/powerpoint/2012/main" xmlns=""/>
     </p:ext>
   </p:extLst>
 </p:presentation>
@@ -134,7 +135,7 @@
           <p:cNvPr id="2" name="제목 1">
             <a:extLst>
               <a:ext uri="{FF2B5EF4-FFF2-40B4-BE49-F238E27FC236}">
-                <a16:creationId xmlns:a16="http://schemas.microsoft.com/office/drawing/2014/main" id="{92AE7B65-CD1D-4B5A-AC0B-EC628A1EC479}"/>
+                <a16:creationId xmlns:a16="http://schemas.microsoft.com/office/drawing/2014/main" xmlns="" id="{92AE7B65-CD1D-4B5A-AC0B-EC628A1EC479}"/>
               </a:ext>
             </a:extLst>
           </p:cNvPr>
@@ -171,7 +172,7 @@
           <p:cNvPr id="3" name="부제목 2">
             <a:extLst>
               <a:ext uri="{FF2B5EF4-FFF2-40B4-BE49-F238E27FC236}">
-                <a16:creationId xmlns:a16="http://schemas.microsoft.com/office/drawing/2014/main" id="{AC604126-17AA-4904-9CED-2E02570D1011}"/>
+                <a16:creationId xmlns:a16="http://schemas.microsoft.com/office/drawing/2014/main" xmlns="" id="{AC604126-17AA-4904-9CED-2E02570D1011}"/>
               </a:ext>
             </a:extLst>
           </p:cNvPr>
@@ -241,7 +242,7 @@
           <p:cNvPr id="4" name="날짜 개체 틀 3">
             <a:extLst>
               <a:ext uri="{FF2B5EF4-FFF2-40B4-BE49-F238E27FC236}">
-                <a16:creationId xmlns:a16="http://schemas.microsoft.com/office/drawing/2014/main" id="{31956101-B332-4D99-A989-EB22E2BE84DF}"/>
+                <a16:creationId xmlns:a16="http://schemas.microsoft.com/office/drawing/2014/main" xmlns="" id="{31956101-B332-4D99-A989-EB22E2BE84DF}"/>
               </a:ext>
             </a:extLst>
           </p:cNvPr>
@@ -259,7 +260,7 @@
           <a:p>
             <a:fld id="{5BD3D61C-91E8-4975-B752-B0ED7D93F697}" type="datetimeFigureOut">
               <a:rPr lang="ko-KR" altLang="en-US" smtClean="0"/>
-              <a:t>2021-04-24</a:t>
+              <a:t>2021-04-26</a:t>
             </a:fld>
             <a:endParaRPr lang="ko-KR" altLang="en-US"/>
           </a:p>
@@ -270,7 +271,7 @@
           <p:cNvPr id="5" name="바닥글 개체 틀 4">
             <a:extLst>
               <a:ext uri="{FF2B5EF4-FFF2-40B4-BE49-F238E27FC236}">
-                <a16:creationId xmlns:a16="http://schemas.microsoft.com/office/drawing/2014/main" id="{C5C9CE56-4111-4664-9DAB-7180509602D9}"/>
+                <a16:creationId xmlns:a16="http://schemas.microsoft.com/office/drawing/2014/main" xmlns="" id="{C5C9CE56-4111-4664-9DAB-7180509602D9}"/>
               </a:ext>
             </a:extLst>
           </p:cNvPr>
@@ -295,7 +296,7 @@
           <p:cNvPr id="6" name="슬라이드 번호 개체 틀 5">
             <a:extLst>
               <a:ext uri="{FF2B5EF4-FFF2-40B4-BE49-F238E27FC236}">
-                <a16:creationId xmlns:a16="http://schemas.microsoft.com/office/drawing/2014/main" id="{67DCACFE-D477-49B7-868C-557AC50ED5F9}"/>
+                <a16:creationId xmlns:a16="http://schemas.microsoft.com/office/drawing/2014/main" xmlns="" id="{67DCACFE-D477-49B7-868C-557AC50ED5F9}"/>
               </a:ext>
             </a:extLst>
           </p:cNvPr>
@@ -354,7 +355,7 @@
           <p:cNvPr id="2" name="제목 1">
             <a:extLst>
               <a:ext uri="{FF2B5EF4-FFF2-40B4-BE49-F238E27FC236}">
-                <a16:creationId xmlns:a16="http://schemas.microsoft.com/office/drawing/2014/main" id="{641B5D79-7F18-4839-AFB1-2627029658C9}"/>
+                <a16:creationId xmlns:a16="http://schemas.microsoft.com/office/drawing/2014/main" xmlns="" id="{641B5D79-7F18-4839-AFB1-2627029658C9}"/>
               </a:ext>
             </a:extLst>
           </p:cNvPr>
@@ -382,7 +383,7 @@
           <p:cNvPr id="3" name="세로 텍스트 개체 틀 2">
             <a:extLst>
               <a:ext uri="{FF2B5EF4-FFF2-40B4-BE49-F238E27FC236}">
-                <a16:creationId xmlns:a16="http://schemas.microsoft.com/office/drawing/2014/main" id="{D1CE89AA-1DF3-4575-8A26-2D7FDE842A1D}"/>
+                <a16:creationId xmlns:a16="http://schemas.microsoft.com/office/drawing/2014/main" xmlns="" id="{D1CE89AA-1DF3-4575-8A26-2D7FDE842A1D}"/>
               </a:ext>
             </a:extLst>
           </p:cNvPr>
@@ -439,7 +440,7 @@
           <p:cNvPr id="4" name="날짜 개체 틀 3">
             <a:extLst>
               <a:ext uri="{FF2B5EF4-FFF2-40B4-BE49-F238E27FC236}">
-                <a16:creationId xmlns:a16="http://schemas.microsoft.com/office/drawing/2014/main" id="{32C8AF2F-01E3-4D72-A75F-8DAB7BEAA83B}"/>
+                <a16:creationId xmlns:a16="http://schemas.microsoft.com/office/drawing/2014/main" xmlns="" id="{32C8AF2F-01E3-4D72-A75F-8DAB7BEAA83B}"/>
               </a:ext>
             </a:extLst>
           </p:cNvPr>
@@ -457,7 +458,7 @@
           <a:p>
             <a:fld id="{5BD3D61C-91E8-4975-B752-B0ED7D93F697}" type="datetimeFigureOut">
               <a:rPr lang="ko-KR" altLang="en-US" smtClean="0"/>
-              <a:t>2021-04-24</a:t>
+              <a:t>2021-04-26</a:t>
             </a:fld>
             <a:endParaRPr lang="ko-KR" altLang="en-US"/>
           </a:p>
@@ -468,7 +469,7 @@
           <p:cNvPr id="5" name="바닥글 개체 틀 4">
             <a:extLst>
               <a:ext uri="{FF2B5EF4-FFF2-40B4-BE49-F238E27FC236}">
-                <a16:creationId xmlns:a16="http://schemas.microsoft.com/office/drawing/2014/main" id="{972F472B-8D56-4F79-87DE-C0CFCCE40ECC}"/>
+                <a16:creationId xmlns:a16="http://schemas.microsoft.com/office/drawing/2014/main" xmlns="" id="{972F472B-8D56-4F79-87DE-C0CFCCE40ECC}"/>
               </a:ext>
             </a:extLst>
           </p:cNvPr>
@@ -493,7 +494,7 @@
           <p:cNvPr id="6" name="슬라이드 번호 개체 틀 5">
             <a:extLst>
               <a:ext uri="{FF2B5EF4-FFF2-40B4-BE49-F238E27FC236}">
-                <a16:creationId xmlns:a16="http://schemas.microsoft.com/office/drawing/2014/main" id="{8E46DF30-C40A-478A-8981-09D7360E9EFD}"/>
+                <a16:creationId xmlns:a16="http://schemas.microsoft.com/office/drawing/2014/main" xmlns="" id="{8E46DF30-C40A-478A-8981-09D7360E9EFD}"/>
               </a:ext>
             </a:extLst>
           </p:cNvPr>
@@ -552,7 +553,7 @@
           <p:cNvPr id="2" name="세로 제목 1">
             <a:extLst>
               <a:ext uri="{FF2B5EF4-FFF2-40B4-BE49-F238E27FC236}">
-                <a16:creationId xmlns:a16="http://schemas.microsoft.com/office/drawing/2014/main" id="{E5305361-07C5-4641-A262-9FC9A82789E3}"/>
+                <a16:creationId xmlns:a16="http://schemas.microsoft.com/office/drawing/2014/main" xmlns="" id="{E5305361-07C5-4641-A262-9FC9A82789E3}"/>
               </a:ext>
             </a:extLst>
           </p:cNvPr>
@@ -585,7 +586,7 @@
           <p:cNvPr id="3" name="세로 텍스트 개체 틀 2">
             <a:extLst>
               <a:ext uri="{FF2B5EF4-FFF2-40B4-BE49-F238E27FC236}">
-                <a16:creationId xmlns:a16="http://schemas.microsoft.com/office/drawing/2014/main" id="{276A2A7D-4E1D-4873-8785-29676E81CC32}"/>
+                <a16:creationId xmlns:a16="http://schemas.microsoft.com/office/drawing/2014/main" xmlns="" id="{276A2A7D-4E1D-4873-8785-29676E81CC32}"/>
               </a:ext>
             </a:extLst>
           </p:cNvPr>
@@ -647,7 +648,7 @@
           <p:cNvPr id="4" name="날짜 개체 틀 3">
             <a:extLst>
               <a:ext uri="{FF2B5EF4-FFF2-40B4-BE49-F238E27FC236}">
-                <a16:creationId xmlns:a16="http://schemas.microsoft.com/office/drawing/2014/main" id="{8D17FA96-D437-4429-B045-3FE6F30E2BB3}"/>
+                <a16:creationId xmlns:a16="http://schemas.microsoft.com/office/drawing/2014/main" xmlns="" id="{8D17FA96-D437-4429-B045-3FE6F30E2BB3}"/>
               </a:ext>
             </a:extLst>
           </p:cNvPr>
@@ -665,7 +666,7 @@
           <a:p>
             <a:fld id="{5BD3D61C-91E8-4975-B752-B0ED7D93F697}" type="datetimeFigureOut">
               <a:rPr lang="ko-KR" altLang="en-US" smtClean="0"/>
-              <a:t>2021-04-24</a:t>
+              <a:t>2021-04-26</a:t>
             </a:fld>
             <a:endParaRPr lang="ko-KR" altLang="en-US"/>
           </a:p>
@@ -676,7 +677,7 @@
           <p:cNvPr id="5" name="바닥글 개체 틀 4">
             <a:extLst>
               <a:ext uri="{FF2B5EF4-FFF2-40B4-BE49-F238E27FC236}">
-                <a16:creationId xmlns:a16="http://schemas.microsoft.com/office/drawing/2014/main" id="{1B9636B6-C900-4FB3-B275-79172C01D6BE}"/>
+                <a16:creationId xmlns:a16="http://schemas.microsoft.com/office/drawing/2014/main" xmlns="" id="{1B9636B6-C900-4FB3-B275-79172C01D6BE}"/>
               </a:ext>
             </a:extLst>
           </p:cNvPr>
@@ -701,7 +702,7 @@
           <p:cNvPr id="6" name="슬라이드 번호 개체 틀 5">
             <a:extLst>
               <a:ext uri="{FF2B5EF4-FFF2-40B4-BE49-F238E27FC236}">
-                <a16:creationId xmlns:a16="http://schemas.microsoft.com/office/drawing/2014/main" id="{C98ED465-2BE0-4673-949C-CD60BEC2A141}"/>
+                <a16:creationId xmlns:a16="http://schemas.microsoft.com/office/drawing/2014/main" xmlns="" id="{C98ED465-2BE0-4673-949C-CD60BEC2A141}"/>
               </a:ext>
             </a:extLst>
           </p:cNvPr>
@@ -760,7 +761,7 @@
           <p:cNvPr id="2" name="제목 1">
             <a:extLst>
               <a:ext uri="{FF2B5EF4-FFF2-40B4-BE49-F238E27FC236}">
-                <a16:creationId xmlns:a16="http://schemas.microsoft.com/office/drawing/2014/main" id="{1A9ED4DE-27A0-41B7-BCC5-40742CC5CE3B}"/>
+                <a16:creationId xmlns:a16="http://schemas.microsoft.com/office/drawing/2014/main" xmlns="" id="{1A9ED4DE-27A0-41B7-BCC5-40742CC5CE3B}"/>
               </a:ext>
             </a:extLst>
           </p:cNvPr>
@@ -788,7 +789,7 @@
           <p:cNvPr id="3" name="내용 개체 틀 2">
             <a:extLst>
               <a:ext uri="{FF2B5EF4-FFF2-40B4-BE49-F238E27FC236}">
-                <a16:creationId xmlns:a16="http://schemas.microsoft.com/office/drawing/2014/main" id="{250C49DB-C818-4F74-868F-FA33FAA1CF88}"/>
+                <a16:creationId xmlns:a16="http://schemas.microsoft.com/office/drawing/2014/main" xmlns="" id="{250C49DB-C818-4F74-868F-FA33FAA1CF88}"/>
               </a:ext>
             </a:extLst>
           </p:cNvPr>
@@ -845,7 +846,7 @@
           <p:cNvPr id="4" name="날짜 개체 틀 3">
             <a:extLst>
               <a:ext uri="{FF2B5EF4-FFF2-40B4-BE49-F238E27FC236}">
-                <a16:creationId xmlns:a16="http://schemas.microsoft.com/office/drawing/2014/main" id="{3711DCE0-9518-49C9-A860-856B8DF2ACBB}"/>
+                <a16:creationId xmlns:a16="http://schemas.microsoft.com/office/drawing/2014/main" xmlns="" id="{3711DCE0-9518-49C9-A860-856B8DF2ACBB}"/>
               </a:ext>
             </a:extLst>
           </p:cNvPr>
@@ -863,7 +864,7 @@
           <a:p>
             <a:fld id="{5BD3D61C-91E8-4975-B752-B0ED7D93F697}" type="datetimeFigureOut">
               <a:rPr lang="ko-KR" altLang="en-US" smtClean="0"/>
-              <a:t>2021-04-24</a:t>
+              <a:t>2021-04-26</a:t>
             </a:fld>
             <a:endParaRPr lang="ko-KR" altLang="en-US"/>
           </a:p>
@@ -874,7 +875,7 @@
           <p:cNvPr id="5" name="바닥글 개체 틀 4">
             <a:extLst>
               <a:ext uri="{FF2B5EF4-FFF2-40B4-BE49-F238E27FC236}">
-                <a16:creationId xmlns:a16="http://schemas.microsoft.com/office/drawing/2014/main" id="{C0771609-680C-4909-BAFA-B3644BA0F2D3}"/>
+                <a16:creationId xmlns:a16="http://schemas.microsoft.com/office/drawing/2014/main" xmlns="" id="{C0771609-680C-4909-BAFA-B3644BA0F2D3}"/>
               </a:ext>
             </a:extLst>
           </p:cNvPr>
@@ -899,7 +900,7 @@
           <p:cNvPr id="6" name="슬라이드 번호 개체 틀 5">
             <a:extLst>
               <a:ext uri="{FF2B5EF4-FFF2-40B4-BE49-F238E27FC236}">
-                <a16:creationId xmlns:a16="http://schemas.microsoft.com/office/drawing/2014/main" id="{77E4197E-FF65-4FC6-909E-9713E064BA91}"/>
+                <a16:creationId xmlns:a16="http://schemas.microsoft.com/office/drawing/2014/main" xmlns="" id="{77E4197E-FF65-4FC6-909E-9713E064BA91}"/>
               </a:ext>
             </a:extLst>
           </p:cNvPr>
@@ -958,7 +959,7 @@
           <p:cNvPr id="2" name="제목 1">
             <a:extLst>
               <a:ext uri="{FF2B5EF4-FFF2-40B4-BE49-F238E27FC236}">
-                <a16:creationId xmlns:a16="http://schemas.microsoft.com/office/drawing/2014/main" id="{E8E2B0A9-E3FF-48C7-A029-6A5993DEFEF6}"/>
+                <a16:creationId xmlns:a16="http://schemas.microsoft.com/office/drawing/2014/main" xmlns="" id="{E8E2B0A9-E3FF-48C7-A029-6A5993DEFEF6}"/>
               </a:ext>
             </a:extLst>
           </p:cNvPr>
@@ -995,7 +996,7 @@
           <p:cNvPr id="3" name="텍스트 개체 틀 2">
             <a:extLst>
               <a:ext uri="{FF2B5EF4-FFF2-40B4-BE49-F238E27FC236}">
-                <a16:creationId xmlns:a16="http://schemas.microsoft.com/office/drawing/2014/main" id="{5307356A-E1E3-4233-A840-25B3B2FDBBCD}"/>
+                <a16:creationId xmlns:a16="http://schemas.microsoft.com/office/drawing/2014/main" xmlns="" id="{5307356A-E1E3-4233-A840-25B3B2FDBBCD}"/>
               </a:ext>
             </a:extLst>
           </p:cNvPr>
@@ -1120,7 +1121,7 @@
           <p:cNvPr id="4" name="날짜 개체 틀 3">
             <a:extLst>
               <a:ext uri="{FF2B5EF4-FFF2-40B4-BE49-F238E27FC236}">
-                <a16:creationId xmlns:a16="http://schemas.microsoft.com/office/drawing/2014/main" id="{908994BD-9447-4F9D-B330-A49FF52AE297}"/>
+                <a16:creationId xmlns:a16="http://schemas.microsoft.com/office/drawing/2014/main" xmlns="" id="{908994BD-9447-4F9D-B330-A49FF52AE297}"/>
               </a:ext>
             </a:extLst>
           </p:cNvPr>
@@ -1138,7 +1139,7 @@
           <a:p>
             <a:fld id="{5BD3D61C-91E8-4975-B752-B0ED7D93F697}" type="datetimeFigureOut">
               <a:rPr lang="ko-KR" altLang="en-US" smtClean="0"/>
-              <a:t>2021-04-24</a:t>
+              <a:t>2021-04-26</a:t>
             </a:fld>
             <a:endParaRPr lang="ko-KR" altLang="en-US"/>
           </a:p>
@@ -1149,7 +1150,7 @@
           <p:cNvPr id="5" name="바닥글 개체 틀 4">
             <a:extLst>
               <a:ext uri="{FF2B5EF4-FFF2-40B4-BE49-F238E27FC236}">
-                <a16:creationId xmlns:a16="http://schemas.microsoft.com/office/drawing/2014/main" id="{EA620886-08F1-44F1-AD20-2E3D93E7D370}"/>
+                <a16:creationId xmlns:a16="http://schemas.microsoft.com/office/drawing/2014/main" xmlns="" id="{EA620886-08F1-44F1-AD20-2E3D93E7D370}"/>
               </a:ext>
             </a:extLst>
           </p:cNvPr>
@@ -1174,7 +1175,7 @@
           <p:cNvPr id="6" name="슬라이드 번호 개체 틀 5">
             <a:extLst>
               <a:ext uri="{FF2B5EF4-FFF2-40B4-BE49-F238E27FC236}">
-                <a16:creationId xmlns:a16="http://schemas.microsoft.com/office/drawing/2014/main" id="{09684289-6DF5-4D24-BB02-B1B9F988FC4F}"/>
+                <a16:creationId xmlns:a16="http://schemas.microsoft.com/office/drawing/2014/main" xmlns="" id="{09684289-6DF5-4D24-BB02-B1B9F988FC4F}"/>
               </a:ext>
             </a:extLst>
           </p:cNvPr>
@@ -1233,7 +1234,7 @@
           <p:cNvPr id="2" name="제목 1">
             <a:extLst>
               <a:ext uri="{FF2B5EF4-FFF2-40B4-BE49-F238E27FC236}">
-                <a16:creationId xmlns:a16="http://schemas.microsoft.com/office/drawing/2014/main" id="{AE6EDCB4-D164-4AA7-87C6-CCD4A252C39D}"/>
+                <a16:creationId xmlns:a16="http://schemas.microsoft.com/office/drawing/2014/main" xmlns="" id="{AE6EDCB4-D164-4AA7-87C6-CCD4A252C39D}"/>
               </a:ext>
             </a:extLst>
           </p:cNvPr>
@@ -1261,7 +1262,7 @@
           <p:cNvPr id="3" name="내용 개체 틀 2">
             <a:extLst>
               <a:ext uri="{FF2B5EF4-FFF2-40B4-BE49-F238E27FC236}">
-                <a16:creationId xmlns:a16="http://schemas.microsoft.com/office/drawing/2014/main" id="{AD949049-60CE-4731-9558-19799CD9003A}"/>
+                <a16:creationId xmlns:a16="http://schemas.microsoft.com/office/drawing/2014/main" xmlns="" id="{AD949049-60CE-4731-9558-19799CD9003A}"/>
               </a:ext>
             </a:extLst>
           </p:cNvPr>
@@ -1323,7 +1324,7 @@
           <p:cNvPr id="4" name="내용 개체 틀 3">
             <a:extLst>
               <a:ext uri="{FF2B5EF4-FFF2-40B4-BE49-F238E27FC236}">
-                <a16:creationId xmlns:a16="http://schemas.microsoft.com/office/drawing/2014/main" id="{59205D79-F835-4272-8FDE-16AADB9ED288}"/>
+                <a16:creationId xmlns:a16="http://schemas.microsoft.com/office/drawing/2014/main" xmlns="" id="{59205D79-F835-4272-8FDE-16AADB9ED288}"/>
               </a:ext>
             </a:extLst>
           </p:cNvPr>
@@ -1385,7 +1386,7 @@
           <p:cNvPr id="5" name="날짜 개체 틀 4">
             <a:extLst>
               <a:ext uri="{FF2B5EF4-FFF2-40B4-BE49-F238E27FC236}">
-                <a16:creationId xmlns:a16="http://schemas.microsoft.com/office/drawing/2014/main" id="{7D120705-E67C-4057-BF18-904AFF548CB5}"/>
+                <a16:creationId xmlns:a16="http://schemas.microsoft.com/office/drawing/2014/main" xmlns="" id="{7D120705-E67C-4057-BF18-904AFF548CB5}"/>
               </a:ext>
             </a:extLst>
           </p:cNvPr>
@@ -1403,7 +1404,7 @@
           <a:p>
             <a:fld id="{5BD3D61C-91E8-4975-B752-B0ED7D93F697}" type="datetimeFigureOut">
               <a:rPr lang="ko-KR" altLang="en-US" smtClean="0"/>
-              <a:t>2021-04-24</a:t>
+              <a:t>2021-04-26</a:t>
             </a:fld>
             <a:endParaRPr lang="ko-KR" altLang="en-US"/>
           </a:p>
@@ -1414,7 +1415,7 @@
           <p:cNvPr id="6" name="바닥글 개체 틀 5">
             <a:extLst>
               <a:ext uri="{FF2B5EF4-FFF2-40B4-BE49-F238E27FC236}">
-                <a16:creationId xmlns:a16="http://schemas.microsoft.com/office/drawing/2014/main" id="{950017F9-A1EE-4EA7-B2DA-8EDC0B4B6F4F}"/>
+                <a16:creationId xmlns:a16="http://schemas.microsoft.com/office/drawing/2014/main" xmlns="" id="{950017F9-A1EE-4EA7-B2DA-8EDC0B4B6F4F}"/>
               </a:ext>
             </a:extLst>
           </p:cNvPr>
@@ -1439,7 +1440,7 @@
           <p:cNvPr id="7" name="슬라이드 번호 개체 틀 6">
             <a:extLst>
               <a:ext uri="{FF2B5EF4-FFF2-40B4-BE49-F238E27FC236}">
-                <a16:creationId xmlns:a16="http://schemas.microsoft.com/office/drawing/2014/main" id="{8DEC0B46-B375-440C-AC1D-6D13344D9E70}"/>
+                <a16:creationId xmlns:a16="http://schemas.microsoft.com/office/drawing/2014/main" xmlns="" id="{8DEC0B46-B375-440C-AC1D-6D13344D9E70}"/>
               </a:ext>
             </a:extLst>
           </p:cNvPr>
@@ -1498,7 +1499,7 @@
           <p:cNvPr id="2" name="제목 1">
             <a:extLst>
               <a:ext uri="{FF2B5EF4-FFF2-40B4-BE49-F238E27FC236}">
-                <a16:creationId xmlns:a16="http://schemas.microsoft.com/office/drawing/2014/main" id="{F9180053-93E8-4C58-BE22-C976AF6CB4DB}"/>
+                <a16:creationId xmlns:a16="http://schemas.microsoft.com/office/drawing/2014/main" xmlns="" id="{F9180053-93E8-4C58-BE22-C976AF6CB4DB}"/>
               </a:ext>
             </a:extLst>
           </p:cNvPr>
@@ -1531,7 +1532,7 @@
           <p:cNvPr id="3" name="텍스트 개체 틀 2">
             <a:extLst>
               <a:ext uri="{FF2B5EF4-FFF2-40B4-BE49-F238E27FC236}">
-                <a16:creationId xmlns:a16="http://schemas.microsoft.com/office/drawing/2014/main" id="{F48131C3-1CC6-45FD-81D2-2D3BC99D1212}"/>
+                <a16:creationId xmlns:a16="http://schemas.microsoft.com/office/drawing/2014/main" xmlns="" id="{F48131C3-1CC6-45FD-81D2-2D3BC99D1212}"/>
               </a:ext>
             </a:extLst>
           </p:cNvPr>
@@ -1602,7 +1603,7 @@
           <p:cNvPr id="4" name="내용 개체 틀 3">
             <a:extLst>
               <a:ext uri="{FF2B5EF4-FFF2-40B4-BE49-F238E27FC236}">
-                <a16:creationId xmlns:a16="http://schemas.microsoft.com/office/drawing/2014/main" id="{4770B383-B2B2-48E5-8967-5689D159C187}"/>
+                <a16:creationId xmlns:a16="http://schemas.microsoft.com/office/drawing/2014/main" xmlns="" id="{4770B383-B2B2-48E5-8967-5689D159C187}"/>
               </a:ext>
             </a:extLst>
           </p:cNvPr>
@@ -1664,7 +1665,7 @@
           <p:cNvPr id="5" name="텍스트 개체 틀 4">
             <a:extLst>
               <a:ext uri="{FF2B5EF4-FFF2-40B4-BE49-F238E27FC236}">
-                <a16:creationId xmlns:a16="http://schemas.microsoft.com/office/drawing/2014/main" id="{A0629A68-9B9E-405E-8F2F-7922E056B46A}"/>
+                <a16:creationId xmlns:a16="http://schemas.microsoft.com/office/drawing/2014/main" xmlns="" id="{A0629A68-9B9E-405E-8F2F-7922E056B46A}"/>
               </a:ext>
             </a:extLst>
           </p:cNvPr>
@@ -1735,7 +1736,7 @@
           <p:cNvPr id="6" name="내용 개체 틀 5">
             <a:extLst>
               <a:ext uri="{FF2B5EF4-FFF2-40B4-BE49-F238E27FC236}">
-                <a16:creationId xmlns:a16="http://schemas.microsoft.com/office/drawing/2014/main" id="{05A15E5C-8142-4173-A393-87E27DB94D76}"/>
+                <a16:creationId xmlns:a16="http://schemas.microsoft.com/office/drawing/2014/main" xmlns="" id="{05A15E5C-8142-4173-A393-87E27DB94D76}"/>
               </a:ext>
             </a:extLst>
           </p:cNvPr>
@@ -1797,7 +1798,7 @@
           <p:cNvPr id="7" name="날짜 개체 틀 6">
             <a:extLst>
               <a:ext uri="{FF2B5EF4-FFF2-40B4-BE49-F238E27FC236}">
-                <a16:creationId xmlns:a16="http://schemas.microsoft.com/office/drawing/2014/main" id="{4D5536FB-1353-4125-853E-AFC2DE773150}"/>
+                <a16:creationId xmlns:a16="http://schemas.microsoft.com/office/drawing/2014/main" xmlns="" id="{4D5536FB-1353-4125-853E-AFC2DE773150}"/>
               </a:ext>
             </a:extLst>
           </p:cNvPr>
@@ -1815,7 +1816,7 @@
           <a:p>
             <a:fld id="{5BD3D61C-91E8-4975-B752-B0ED7D93F697}" type="datetimeFigureOut">
               <a:rPr lang="ko-KR" altLang="en-US" smtClean="0"/>
-              <a:t>2021-04-24</a:t>
+              <a:t>2021-04-26</a:t>
             </a:fld>
             <a:endParaRPr lang="ko-KR" altLang="en-US"/>
           </a:p>
@@ -1826,7 +1827,7 @@
           <p:cNvPr id="8" name="바닥글 개체 틀 7">
             <a:extLst>
               <a:ext uri="{FF2B5EF4-FFF2-40B4-BE49-F238E27FC236}">
-                <a16:creationId xmlns:a16="http://schemas.microsoft.com/office/drawing/2014/main" id="{A2C0F608-7960-4858-A83B-694F59EC2DB8}"/>
+                <a16:creationId xmlns:a16="http://schemas.microsoft.com/office/drawing/2014/main" xmlns="" id="{A2C0F608-7960-4858-A83B-694F59EC2DB8}"/>
               </a:ext>
             </a:extLst>
           </p:cNvPr>
@@ -1851,7 +1852,7 @@
           <p:cNvPr id="9" name="슬라이드 번호 개체 틀 8">
             <a:extLst>
               <a:ext uri="{FF2B5EF4-FFF2-40B4-BE49-F238E27FC236}">
-                <a16:creationId xmlns:a16="http://schemas.microsoft.com/office/drawing/2014/main" id="{A34DA77F-8D2B-4F4B-9AE3-E91F5C112B4C}"/>
+                <a16:creationId xmlns:a16="http://schemas.microsoft.com/office/drawing/2014/main" xmlns="" id="{A34DA77F-8D2B-4F4B-9AE3-E91F5C112B4C}"/>
               </a:ext>
             </a:extLst>
           </p:cNvPr>
@@ -1910,7 +1911,7 @@
           <p:cNvPr id="2" name="제목 1">
             <a:extLst>
               <a:ext uri="{FF2B5EF4-FFF2-40B4-BE49-F238E27FC236}">
-                <a16:creationId xmlns:a16="http://schemas.microsoft.com/office/drawing/2014/main" id="{B3897722-2820-414A-8280-9DDD8C0CD016}"/>
+                <a16:creationId xmlns:a16="http://schemas.microsoft.com/office/drawing/2014/main" xmlns="" id="{B3897722-2820-414A-8280-9DDD8C0CD016}"/>
               </a:ext>
             </a:extLst>
           </p:cNvPr>
@@ -1938,7 +1939,7 @@
           <p:cNvPr id="3" name="날짜 개체 틀 2">
             <a:extLst>
               <a:ext uri="{FF2B5EF4-FFF2-40B4-BE49-F238E27FC236}">
-                <a16:creationId xmlns:a16="http://schemas.microsoft.com/office/drawing/2014/main" id="{3ADAB480-1DE4-4E57-B91E-F1056E1C9E79}"/>
+                <a16:creationId xmlns:a16="http://schemas.microsoft.com/office/drawing/2014/main" xmlns="" id="{3ADAB480-1DE4-4E57-B91E-F1056E1C9E79}"/>
               </a:ext>
             </a:extLst>
           </p:cNvPr>
@@ -1956,7 +1957,7 @@
           <a:p>
             <a:fld id="{5BD3D61C-91E8-4975-B752-B0ED7D93F697}" type="datetimeFigureOut">
               <a:rPr lang="ko-KR" altLang="en-US" smtClean="0"/>
-              <a:t>2021-04-24</a:t>
+              <a:t>2021-04-26</a:t>
             </a:fld>
             <a:endParaRPr lang="ko-KR" altLang="en-US"/>
           </a:p>
@@ -1967,7 +1968,7 @@
           <p:cNvPr id="4" name="바닥글 개체 틀 3">
             <a:extLst>
               <a:ext uri="{FF2B5EF4-FFF2-40B4-BE49-F238E27FC236}">
-                <a16:creationId xmlns:a16="http://schemas.microsoft.com/office/drawing/2014/main" id="{2DF24594-2316-4133-94EA-118599D78EC9}"/>
+                <a16:creationId xmlns:a16="http://schemas.microsoft.com/office/drawing/2014/main" xmlns="" id="{2DF24594-2316-4133-94EA-118599D78EC9}"/>
               </a:ext>
             </a:extLst>
           </p:cNvPr>
@@ -1992,7 +1993,7 @@
           <p:cNvPr id="5" name="슬라이드 번호 개체 틀 4">
             <a:extLst>
               <a:ext uri="{FF2B5EF4-FFF2-40B4-BE49-F238E27FC236}">
-                <a16:creationId xmlns:a16="http://schemas.microsoft.com/office/drawing/2014/main" id="{8E4D90E1-31BF-4D36-92E5-8029951E7FD7}"/>
+                <a16:creationId xmlns:a16="http://schemas.microsoft.com/office/drawing/2014/main" xmlns="" id="{8E4D90E1-31BF-4D36-92E5-8029951E7FD7}"/>
               </a:ext>
             </a:extLst>
           </p:cNvPr>
@@ -2051,7 +2052,7 @@
           <p:cNvPr id="2" name="날짜 개체 틀 1">
             <a:extLst>
               <a:ext uri="{FF2B5EF4-FFF2-40B4-BE49-F238E27FC236}">
-                <a16:creationId xmlns:a16="http://schemas.microsoft.com/office/drawing/2014/main" id="{19974F95-2729-4140-BE8E-A55EB1D5A443}"/>
+                <a16:creationId xmlns:a16="http://schemas.microsoft.com/office/drawing/2014/main" xmlns="" id="{19974F95-2729-4140-BE8E-A55EB1D5A443}"/>
               </a:ext>
             </a:extLst>
           </p:cNvPr>
@@ -2069,7 +2070,7 @@
           <a:p>
             <a:fld id="{5BD3D61C-91E8-4975-B752-B0ED7D93F697}" type="datetimeFigureOut">
               <a:rPr lang="ko-KR" altLang="en-US" smtClean="0"/>
-              <a:t>2021-04-24</a:t>
+              <a:t>2021-04-26</a:t>
             </a:fld>
             <a:endParaRPr lang="ko-KR" altLang="en-US"/>
           </a:p>
@@ -2080,7 +2081,7 @@
           <p:cNvPr id="3" name="바닥글 개체 틀 2">
             <a:extLst>
               <a:ext uri="{FF2B5EF4-FFF2-40B4-BE49-F238E27FC236}">
-                <a16:creationId xmlns:a16="http://schemas.microsoft.com/office/drawing/2014/main" id="{06291714-F8E6-478B-9128-448B35594432}"/>
+                <a16:creationId xmlns:a16="http://schemas.microsoft.com/office/drawing/2014/main" xmlns="" id="{06291714-F8E6-478B-9128-448B35594432}"/>
               </a:ext>
             </a:extLst>
           </p:cNvPr>
@@ -2105,7 +2106,7 @@
           <p:cNvPr id="4" name="슬라이드 번호 개체 틀 3">
             <a:extLst>
               <a:ext uri="{FF2B5EF4-FFF2-40B4-BE49-F238E27FC236}">
-                <a16:creationId xmlns:a16="http://schemas.microsoft.com/office/drawing/2014/main" id="{5D1A6EB0-FD15-4655-9F74-4DF53EFC6EF3}"/>
+                <a16:creationId xmlns:a16="http://schemas.microsoft.com/office/drawing/2014/main" xmlns="" id="{5D1A6EB0-FD15-4655-9F74-4DF53EFC6EF3}"/>
               </a:ext>
             </a:extLst>
           </p:cNvPr>
@@ -2164,7 +2165,7 @@
           <p:cNvPr id="2" name="제목 1">
             <a:extLst>
               <a:ext uri="{FF2B5EF4-FFF2-40B4-BE49-F238E27FC236}">
-                <a16:creationId xmlns:a16="http://schemas.microsoft.com/office/drawing/2014/main" id="{5E2A3EAC-64A8-4F9E-B6BD-33B0C6396AB6}"/>
+                <a16:creationId xmlns:a16="http://schemas.microsoft.com/office/drawing/2014/main" xmlns="" id="{5E2A3EAC-64A8-4F9E-B6BD-33B0C6396AB6}"/>
               </a:ext>
             </a:extLst>
           </p:cNvPr>
@@ -2201,7 +2202,7 @@
           <p:cNvPr id="3" name="내용 개체 틀 2">
             <a:extLst>
               <a:ext uri="{FF2B5EF4-FFF2-40B4-BE49-F238E27FC236}">
-                <a16:creationId xmlns:a16="http://schemas.microsoft.com/office/drawing/2014/main" id="{A5776432-825F-434F-8C62-1A5C1C753B7A}"/>
+                <a16:creationId xmlns:a16="http://schemas.microsoft.com/office/drawing/2014/main" xmlns="" id="{A5776432-825F-434F-8C62-1A5C1C753B7A}"/>
               </a:ext>
             </a:extLst>
           </p:cNvPr>
@@ -2291,7 +2292,7 @@
           <p:cNvPr id="4" name="텍스트 개체 틀 3">
             <a:extLst>
               <a:ext uri="{FF2B5EF4-FFF2-40B4-BE49-F238E27FC236}">
-                <a16:creationId xmlns:a16="http://schemas.microsoft.com/office/drawing/2014/main" id="{8B961F4F-700A-4A07-8B0E-04B4A270A0AF}"/>
+                <a16:creationId xmlns:a16="http://schemas.microsoft.com/office/drawing/2014/main" xmlns="" id="{8B961F4F-700A-4A07-8B0E-04B4A270A0AF}"/>
               </a:ext>
             </a:extLst>
           </p:cNvPr>
@@ -2362,7 +2363,7 @@
           <p:cNvPr id="5" name="날짜 개체 틀 4">
             <a:extLst>
               <a:ext uri="{FF2B5EF4-FFF2-40B4-BE49-F238E27FC236}">
-                <a16:creationId xmlns:a16="http://schemas.microsoft.com/office/drawing/2014/main" id="{409B8D49-3126-43C2-BFEC-7FDAF300626B}"/>
+                <a16:creationId xmlns:a16="http://schemas.microsoft.com/office/drawing/2014/main" xmlns="" id="{409B8D49-3126-43C2-BFEC-7FDAF300626B}"/>
               </a:ext>
             </a:extLst>
           </p:cNvPr>
@@ -2380,7 +2381,7 @@
           <a:p>
             <a:fld id="{5BD3D61C-91E8-4975-B752-B0ED7D93F697}" type="datetimeFigureOut">
               <a:rPr lang="ko-KR" altLang="en-US" smtClean="0"/>
-              <a:t>2021-04-24</a:t>
+              <a:t>2021-04-26</a:t>
             </a:fld>
             <a:endParaRPr lang="ko-KR" altLang="en-US"/>
           </a:p>
@@ -2391,7 +2392,7 @@
           <p:cNvPr id="6" name="바닥글 개체 틀 5">
             <a:extLst>
               <a:ext uri="{FF2B5EF4-FFF2-40B4-BE49-F238E27FC236}">
-                <a16:creationId xmlns:a16="http://schemas.microsoft.com/office/drawing/2014/main" id="{A1A35F09-7E7B-444E-A7C0-3FD16D2AD957}"/>
+                <a16:creationId xmlns:a16="http://schemas.microsoft.com/office/drawing/2014/main" xmlns="" id="{A1A35F09-7E7B-444E-A7C0-3FD16D2AD957}"/>
               </a:ext>
             </a:extLst>
           </p:cNvPr>
@@ -2416,7 +2417,7 @@
           <p:cNvPr id="7" name="슬라이드 번호 개체 틀 6">
             <a:extLst>
               <a:ext uri="{FF2B5EF4-FFF2-40B4-BE49-F238E27FC236}">
-                <a16:creationId xmlns:a16="http://schemas.microsoft.com/office/drawing/2014/main" id="{8FAC7B80-29C2-472F-989D-14F79369A53E}"/>
+                <a16:creationId xmlns:a16="http://schemas.microsoft.com/office/drawing/2014/main" xmlns="" id="{8FAC7B80-29C2-472F-989D-14F79369A53E}"/>
               </a:ext>
             </a:extLst>
           </p:cNvPr>
@@ -2475,7 +2476,7 @@
           <p:cNvPr id="2" name="제목 1">
             <a:extLst>
               <a:ext uri="{FF2B5EF4-FFF2-40B4-BE49-F238E27FC236}">
-                <a16:creationId xmlns:a16="http://schemas.microsoft.com/office/drawing/2014/main" id="{400E60F4-E3A4-415F-881F-94115EAA2EC1}"/>
+                <a16:creationId xmlns:a16="http://schemas.microsoft.com/office/drawing/2014/main" xmlns="" id="{400E60F4-E3A4-415F-881F-94115EAA2EC1}"/>
               </a:ext>
             </a:extLst>
           </p:cNvPr>
@@ -2512,7 +2513,7 @@
           <p:cNvPr id="3" name="그림 개체 틀 2">
             <a:extLst>
               <a:ext uri="{FF2B5EF4-FFF2-40B4-BE49-F238E27FC236}">
-                <a16:creationId xmlns:a16="http://schemas.microsoft.com/office/drawing/2014/main" id="{C69A3372-5DAC-4069-B8E1-3F7B1366F81B}"/>
+                <a16:creationId xmlns:a16="http://schemas.microsoft.com/office/drawing/2014/main" xmlns="" id="{C69A3372-5DAC-4069-B8E1-3F7B1366F81B}"/>
               </a:ext>
             </a:extLst>
           </p:cNvPr>
@@ -2579,7 +2580,7 @@
           <p:cNvPr id="4" name="텍스트 개체 틀 3">
             <a:extLst>
               <a:ext uri="{FF2B5EF4-FFF2-40B4-BE49-F238E27FC236}">
-                <a16:creationId xmlns:a16="http://schemas.microsoft.com/office/drawing/2014/main" id="{4543FF44-8BF4-4FB1-81EC-C255E5518810}"/>
+                <a16:creationId xmlns:a16="http://schemas.microsoft.com/office/drawing/2014/main" xmlns="" id="{4543FF44-8BF4-4FB1-81EC-C255E5518810}"/>
               </a:ext>
             </a:extLst>
           </p:cNvPr>
@@ -2650,7 +2651,7 @@
           <p:cNvPr id="5" name="날짜 개체 틀 4">
             <a:extLst>
               <a:ext uri="{FF2B5EF4-FFF2-40B4-BE49-F238E27FC236}">
-                <a16:creationId xmlns:a16="http://schemas.microsoft.com/office/drawing/2014/main" id="{963F91A5-CFF3-4FEC-963D-056C85E75421}"/>
+                <a16:creationId xmlns:a16="http://schemas.microsoft.com/office/drawing/2014/main" xmlns="" id="{963F91A5-CFF3-4FEC-963D-056C85E75421}"/>
               </a:ext>
             </a:extLst>
           </p:cNvPr>
@@ -2668,7 +2669,7 @@
           <a:p>
             <a:fld id="{5BD3D61C-91E8-4975-B752-B0ED7D93F697}" type="datetimeFigureOut">
               <a:rPr lang="ko-KR" altLang="en-US" smtClean="0"/>
-              <a:t>2021-04-24</a:t>
+              <a:t>2021-04-26</a:t>
             </a:fld>
             <a:endParaRPr lang="ko-KR" altLang="en-US"/>
           </a:p>
@@ -2679,7 +2680,7 @@
           <p:cNvPr id="6" name="바닥글 개체 틀 5">
             <a:extLst>
               <a:ext uri="{FF2B5EF4-FFF2-40B4-BE49-F238E27FC236}">
-                <a16:creationId xmlns:a16="http://schemas.microsoft.com/office/drawing/2014/main" id="{355914A5-9561-4C1C-A0DE-0EFF39B4A0A3}"/>
+                <a16:creationId xmlns:a16="http://schemas.microsoft.com/office/drawing/2014/main" xmlns="" id="{355914A5-9561-4C1C-A0DE-0EFF39B4A0A3}"/>
               </a:ext>
             </a:extLst>
           </p:cNvPr>
@@ -2704,7 +2705,7 @@
           <p:cNvPr id="7" name="슬라이드 번호 개체 틀 6">
             <a:extLst>
               <a:ext uri="{FF2B5EF4-FFF2-40B4-BE49-F238E27FC236}">
-                <a16:creationId xmlns:a16="http://schemas.microsoft.com/office/drawing/2014/main" id="{796A670A-82AE-4A90-B8A3-083B59C77E7D}"/>
+                <a16:creationId xmlns:a16="http://schemas.microsoft.com/office/drawing/2014/main" xmlns="" id="{796A670A-82AE-4A90-B8A3-083B59C77E7D}"/>
               </a:ext>
             </a:extLst>
           </p:cNvPr>
@@ -2768,7 +2769,7 @@
           <p:cNvPr id="2" name="제목 개체 틀 1">
             <a:extLst>
               <a:ext uri="{FF2B5EF4-FFF2-40B4-BE49-F238E27FC236}">
-                <a16:creationId xmlns:a16="http://schemas.microsoft.com/office/drawing/2014/main" id="{104ACBE5-D800-4AB6-BA18-8CE9F5240278}"/>
+                <a16:creationId xmlns:a16="http://schemas.microsoft.com/office/drawing/2014/main" xmlns="" id="{104ACBE5-D800-4AB6-BA18-8CE9F5240278}"/>
               </a:ext>
             </a:extLst>
           </p:cNvPr>
@@ -2806,7 +2807,7 @@
           <p:cNvPr id="3" name="텍스트 개체 틀 2">
             <a:extLst>
               <a:ext uri="{FF2B5EF4-FFF2-40B4-BE49-F238E27FC236}">
-                <a16:creationId xmlns:a16="http://schemas.microsoft.com/office/drawing/2014/main" id="{A6654B5F-D7B7-4514-BAD5-FD122D76DE2F}"/>
+                <a16:creationId xmlns:a16="http://schemas.microsoft.com/office/drawing/2014/main" xmlns="" id="{A6654B5F-D7B7-4514-BAD5-FD122D76DE2F}"/>
               </a:ext>
             </a:extLst>
           </p:cNvPr>
@@ -2873,7 +2874,7 @@
           <p:cNvPr id="4" name="날짜 개체 틀 3">
             <a:extLst>
               <a:ext uri="{FF2B5EF4-FFF2-40B4-BE49-F238E27FC236}">
-                <a16:creationId xmlns:a16="http://schemas.microsoft.com/office/drawing/2014/main" id="{028A1D55-0ECE-4DB1-BAE1-80C435A1315B}"/>
+                <a16:creationId xmlns:a16="http://schemas.microsoft.com/office/drawing/2014/main" xmlns="" id="{028A1D55-0ECE-4DB1-BAE1-80C435A1315B}"/>
               </a:ext>
             </a:extLst>
           </p:cNvPr>
@@ -2909,7 +2910,7 @@
           <a:p>
             <a:fld id="{5BD3D61C-91E8-4975-B752-B0ED7D93F697}" type="datetimeFigureOut">
               <a:rPr lang="ko-KR" altLang="en-US" smtClean="0"/>
-              <a:t>2021-04-24</a:t>
+              <a:t>2021-04-26</a:t>
             </a:fld>
             <a:endParaRPr lang="ko-KR" altLang="en-US"/>
           </a:p>
@@ -2920,7 +2921,7 @@
           <p:cNvPr id="5" name="바닥글 개체 틀 4">
             <a:extLst>
               <a:ext uri="{FF2B5EF4-FFF2-40B4-BE49-F238E27FC236}">
-                <a16:creationId xmlns:a16="http://schemas.microsoft.com/office/drawing/2014/main" id="{6D9E9544-1868-4252-B071-6951878053C4}"/>
+                <a16:creationId xmlns:a16="http://schemas.microsoft.com/office/drawing/2014/main" xmlns="" id="{6D9E9544-1868-4252-B071-6951878053C4}"/>
               </a:ext>
             </a:extLst>
           </p:cNvPr>
@@ -2963,7 +2964,7 @@
           <p:cNvPr id="6" name="슬라이드 번호 개체 틀 5">
             <a:extLst>
               <a:ext uri="{FF2B5EF4-FFF2-40B4-BE49-F238E27FC236}">
-                <a16:creationId xmlns:a16="http://schemas.microsoft.com/office/drawing/2014/main" id="{930563F1-C736-4B8E-8108-C74B883FF4CE}"/>
+                <a16:creationId xmlns:a16="http://schemas.microsoft.com/office/drawing/2014/main" xmlns="" id="{930563F1-C736-4B8E-8108-C74B883FF4CE}"/>
               </a:ext>
             </a:extLst>
           </p:cNvPr>
@@ -3339,7 +3340,7 @@
           <p:cNvPr id="3" name="그림 2">
             <a:extLst>
               <a:ext uri="{FF2B5EF4-FFF2-40B4-BE49-F238E27FC236}">
-                <a16:creationId xmlns:a16="http://schemas.microsoft.com/office/drawing/2014/main" id="{955EBE03-7A64-4D14-BE04-30E09CE0A2D4}"/>
+                <a16:creationId xmlns:a16="http://schemas.microsoft.com/office/drawing/2014/main" xmlns="" id="{955EBE03-7A64-4D14-BE04-30E09CE0A2D4}"/>
               </a:ext>
             </a:extLst>
           </p:cNvPr>
@@ -3368,6 +3369,543 @@
     <p:extLst>
       <p:ext uri="{BB962C8B-B14F-4D97-AF65-F5344CB8AC3E}">
         <p14:creationId xmlns:p14="http://schemas.microsoft.com/office/powerpoint/2010/main" val="330746731"/>
+      </p:ext>
+    </p:extLst>
+  </p:cSld>
+  <p:clrMapOvr>
+    <a:masterClrMapping/>
+  </p:clrMapOvr>
+</p:sld>
+</file>
+
+<file path=ppt/slides/slide2.xml><?xml version="1.0" encoding="utf-8"?>
+<p:sld xmlns:a="http://schemas.openxmlformats.org/drawingml/2006/main" xmlns:r="http://schemas.openxmlformats.org/officeDocument/2006/relationships" xmlns:p="http://schemas.openxmlformats.org/presentationml/2006/main">
+  <p:cSld>
+    <p:spTree>
+      <p:nvGrpSpPr>
+        <p:cNvPr id="1" name=""/>
+        <p:cNvGrpSpPr/>
+        <p:nvPr/>
+      </p:nvGrpSpPr>
+      <p:grpSpPr>
+        <a:xfrm>
+          <a:off x="0" y="0"/>
+          <a:ext cx="0" cy="0"/>
+          <a:chOff x="0" y="0"/>
+          <a:chExt cx="0" cy="0"/>
+        </a:xfrm>
+      </p:grpSpPr>
+      <p:pic>
+        <p:nvPicPr>
+          <p:cNvPr id="1026" name="Picture 2"/>
+          <p:cNvPicPr>
+            <a:picLocks noChangeAspect="1" noChangeArrowheads="1"/>
+          </p:cNvPicPr>
+          <p:nvPr/>
+        </p:nvPicPr>
+        <p:blipFill>
+          <a:blip r:embed="rId2">
+            <a:extLst>
+              <a:ext uri="{28A0092B-C50C-407E-A947-70E740481C1C}">
+                <a14:useLocalDpi xmlns:a14="http://schemas.microsoft.com/office/drawing/2010/main" val="0"/>
+              </a:ext>
+            </a:extLst>
+          </a:blip>
+          <a:srcRect/>
+          <a:stretch>
+            <a:fillRect/>
+          </a:stretch>
+        </p:blipFill>
+        <p:spPr bwMode="auto">
+          <a:xfrm>
+            <a:off x="791048" y="1706862"/>
+            <a:ext cx="3477781" cy="3444276"/>
+          </a:xfrm>
+          <a:prstGeom prst="rect">
+            <a:avLst/>
+          </a:prstGeom>
+          <a:noFill/>
+          <a:ln>
+            <a:noFill/>
+          </a:ln>
+          <a:effectLst/>
+          <a:extLst>
+            <a:ext uri="{909E8E84-426E-40DD-AFC4-6F175D3DCCD1}">
+              <a14:hiddenFill xmlns:a14="http://schemas.microsoft.com/office/drawing/2010/main">
+                <a:solidFill>
+                  <a:schemeClr val="accent1"/>
+                </a:solidFill>
+              </a14:hiddenFill>
+            </a:ext>
+            <a:ext uri="{91240B29-F687-4F45-9708-019B960494DF}">
+              <a14:hiddenLine xmlns:a14="http://schemas.microsoft.com/office/drawing/2010/main" w="9525">
+                <a:solidFill>
+                  <a:schemeClr val="tx1"/>
+                </a:solidFill>
+                <a:miter lim="800000"/>
+                <a:headEnd/>
+                <a:tailEnd/>
+              </a14:hiddenLine>
+            </a:ext>
+            <a:ext uri="{AF507438-7753-43E0-B8FC-AC1667EBCBE1}">
+              <a14:hiddenEffects xmlns:a14="http://schemas.microsoft.com/office/drawing/2010/main">
+                <a:effectLst>
+                  <a:outerShdw dist="35921" dir="2700000" algn="ctr" rotWithShape="0">
+                    <a:schemeClr val="bg2"/>
+                  </a:outerShdw>
+                </a:effectLst>
+              </a14:hiddenEffects>
+            </a:ext>
+          </a:extLst>
+        </p:spPr>
+      </p:pic>
+      <p:pic>
+        <p:nvPicPr>
+          <p:cNvPr id="1028" name="Picture 4"/>
+          <p:cNvPicPr>
+            <a:picLocks noChangeAspect="1" noChangeArrowheads="1"/>
+          </p:cNvPicPr>
+          <p:nvPr/>
+        </p:nvPicPr>
+        <p:blipFill>
+          <a:blip r:embed="rId3">
+            <a:extLst>
+              <a:ext uri="{28A0092B-C50C-407E-A947-70E740481C1C}">
+                <a14:useLocalDpi xmlns:a14="http://schemas.microsoft.com/office/drawing/2010/main" val="0"/>
+              </a:ext>
+            </a:extLst>
+          </a:blip>
+          <a:srcRect/>
+          <a:stretch>
+            <a:fillRect/>
+          </a:stretch>
+        </p:blipFill>
+        <p:spPr bwMode="auto">
+          <a:xfrm>
+            <a:off x="4380485" y="1706862"/>
+            <a:ext cx="3444276" cy="3444276"/>
+          </a:xfrm>
+          <a:prstGeom prst="rect">
+            <a:avLst/>
+          </a:prstGeom>
+          <a:noFill/>
+          <a:ln>
+            <a:noFill/>
+          </a:ln>
+          <a:effectLst/>
+          <a:extLst>
+            <a:ext uri="{909E8E84-426E-40DD-AFC4-6F175D3DCCD1}">
+              <a14:hiddenFill xmlns:a14="http://schemas.microsoft.com/office/drawing/2010/main">
+                <a:solidFill>
+                  <a:schemeClr val="accent1"/>
+                </a:solidFill>
+              </a14:hiddenFill>
+            </a:ext>
+            <a:ext uri="{91240B29-F687-4F45-9708-019B960494DF}">
+              <a14:hiddenLine xmlns:a14="http://schemas.microsoft.com/office/drawing/2010/main" w="9525">
+                <a:solidFill>
+                  <a:schemeClr val="tx1"/>
+                </a:solidFill>
+                <a:miter lim="800000"/>
+                <a:headEnd/>
+                <a:tailEnd/>
+              </a14:hiddenLine>
+            </a:ext>
+            <a:ext uri="{AF507438-7753-43E0-B8FC-AC1667EBCBE1}">
+              <a14:hiddenEffects xmlns:a14="http://schemas.microsoft.com/office/drawing/2010/main">
+                <a:effectLst>
+                  <a:outerShdw dist="35921" dir="2700000" algn="ctr" rotWithShape="0">
+                    <a:schemeClr val="bg2"/>
+                  </a:outerShdw>
+                </a:effectLst>
+              </a14:hiddenEffects>
+            </a:ext>
+          </a:extLst>
+        </p:spPr>
+      </p:pic>
+      <p:pic>
+        <p:nvPicPr>
+          <p:cNvPr id="1029" name="Picture 5"/>
+          <p:cNvPicPr>
+            <a:picLocks noChangeAspect="1" noChangeArrowheads="1"/>
+          </p:cNvPicPr>
+          <p:nvPr/>
+        </p:nvPicPr>
+        <p:blipFill>
+          <a:blip r:embed="rId4">
+            <a:extLst>
+              <a:ext uri="{28A0092B-C50C-407E-A947-70E740481C1C}">
+                <a14:useLocalDpi xmlns:a14="http://schemas.microsoft.com/office/drawing/2010/main" val="0"/>
+              </a:ext>
+            </a:extLst>
+          </a:blip>
+          <a:srcRect/>
+          <a:stretch>
+            <a:fillRect/>
+          </a:stretch>
+        </p:blipFill>
+        <p:spPr bwMode="auto">
+          <a:xfrm>
+            <a:off x="7936417" y="1706862"/>
+            <a:ext cx="3464536" cy="3444276"/>
+          </a:xfrm>
+          <a:prstGeom prst="rect">
+            <a:avLst/>
+          </a:prstGeom>
+          <a:noFill/>
+          <a:ln>
+            <a:noFill/>
+          </a:ln>
+          <a:effectLst/>
+          <a:extLst>
+            <a:ext uri="{909E8E84-426E-40DD-AFC4-6F175D3DCCD1}">
+              <a14:hiddenFill xmlns:a14="http://schemas.microsoft.com/office/drawing/2010/main">
+                <a:solidFill>
+                  <a:schemeClr val="accent1"/>
+                </a:solidFill>
+              </a14:hiddenFill>
+            </a:ext>
+            <a:ext uri="{91240B29-F687-4F45-9708-019B960494DF}">
+              <a14:hiddenLine xmlns:a14="http://schemas.microsoft.com/office/drawing/2010/main" w="9525">
+                <a:solidFill>
+                  <a:schemeClr val="tx1"/>
+                </a:solidFill>
+                <a:miter lim="800000"/>
+                <a:headEnd/>
+                <a:tailEnd/>
+              </a14:hiddenLine>
+            </a:ext>
+            <a:ext uri="{AF507438-7753-43E0-B8FC-AC1667EBCBE1}">
+              <a14:hiddenEffects xmlns:a14="http://schemas.microsoft.com/office/drawing/2010/main">
+                <a:effectLst>
+                  <a:outerShdw dist="35921" dir="2700000" algn="ctr" rotWithShape="0">
+                    <a:schemeClr val="bg2"/>
+                  </a:outerShdw>
+                </a:effectLst>
+              </a14:hiddenEffects>
+            </a:ext>
+          </a:extLst>
+        </p:spPr>
+      </p:pic>
+      <mc:AlternateContent xmlns:mc="http://schemas.openxmlformats.org/markup-compatibility/2006">
+        <mc:Choice xmlns:a14="http://schemas.microsoft.com/office/drawing/2010/main" Requires="a14">
+          <p:sp>
+            <p:nvSpPr>
+              <p:cNvPr id="5" name="TextBox 4"/>
+              <p:cNvSpPr txBox="1"/>
+              <p:nvPr/>
+            </p:nvSpPr>
+            <p:spPr>
+              <a:xfrm>
+                <a:off x="1904348" y="1406105"/>
+                <a:ext cx="1386790" cy="307777"/>
+              </a:xfrm>
+              <a:prstGeom prst="rect">
+                <a:avLst/>
+              </a:prstGeom>
+              <a:noFill/>
+            </p:spPr>
+            <p:txBody>
+              <a:bodyPr wrap="none" rtlCol="0">
+                <a:spAutoFit/>
+              </a:bodyPr>
+              <a:lstStyle/>
+              <a:p>
+                <a:pPr algn="ctr"/>
+                <a14:m>
+                  <m:oMath xmlns:m="http://schemas.openxmlformats.org/officeDocument/2006/math">
+                    <m:r>
+                      <a:rPr lang="en-US" altLang="ko-KR" sz="1400" b="0" i="1" smtClean="0">
+                        <a:latin typeface="Cambria Math"/>
+                      </a:rPr>
+                      <m:t>𝑛</m:t>
+                    </m:r>
+                  </m:oMath>
+                </a14:m>
+                <a:r>
+                  <a:rPr lang="ko-KR" altLang="en-US" sz="1400" dirty="0" smtClean="0">
+                    <a:latin typeface="KoPub돋움체 Bold" pitchFamily="18" charset="-127"/>
+                    <a:ea typeface="KoPub돋움체 Bold" pitchFamily="18" charset="-127"/>
+                  </a:rPr>
+                  <a:t>이 꽤 작은 경우</a:t>
+                </a:r>
+                <a:endParaRPr lang="ko-KR" altLang="en-US" sz="1400" dirty="0">
+                  <a:latin typeface="KoPub돋움체 Bold" pitchFamily="18" charset="-127"/>
+                  <a:ea typeface="KoPub돋움체 Bold" pitchFamily="18" charset="-127"/>
+                </a:endParaRPr>
+              </a:p>
+            </p:txBody>
+          </p:sp>
+        </mc:Choice>
+        <mc:Fallback>
+          <p:sp>
+            <p:nvSpPr>
+              <p:cNvPr id="5" name="TextBox 4"/>
+              <p:cNvSpPr txBox="1">
+                <a:spLocks noRot="1" noChangeAspect="1" noMove="1" noResize="1" noEditPoints="1" noAdjustHandles="1" noChangeArrowheads="1" noChangeShapeType="1" noTextEdit="1"/>
+              </p:cNvSpPr>
+              <p:nvPr/>
+            </p:nvSpPr>
+            <p:spPr>
+              <a:xfrm>
+                <a:off x="1904348" y="1406105"/>
+                <a:ext cx="1386790" cy="307777"/>
+              </a:xfrm>
+              <a:prstGeom prst="rect">
+                <a:avLst/>
+              </a:prstGeom>
+              <a:blipFill rotWithShape="1">
+                <a:blip r:embed="rId5"/>
+                <a:stretch>
+                  <a:fillRect t="-2000" r="-439" b="-20000"/>
+                </a:stretch>
+              </a:blipFill>
+            </p:spPr>
+            <p:txBody>
+              <a:bodyPr/>
+              <a:lstStyle/>
+              <a:p>
+                <a:r>
+                  <a:rPr lang="ko-KR" altLang="en-US">
+                    <a:noFill/>
+                  </a:rPr>
+                  <a:t> </a:t>
+                </a:r>
+              </a:p>
+            </p:txBody>
+          </p:sp>
+        </mc:Fallback>
+      </mc:AlternateContent>
+      <mc:AlternateContent xmlns:mc="http://schemas.openxmlformats.org/markup-compatibility/2006">
+        <mc:Choice xmlns:a14="http://schemas.microsoft.com/office/drawing/2010/main" Requires="a14">
+          <p:sp>
+            <p:nvSpPr>
+              <p:cNvPr id="10" name="TextBox 9"/>
+              <p:cNvSpPr txBox="1"/>
+              <p:nvPr/>
+            </p:nvSpPr>
+            <p:spPr>
+              <a:xfrm>
+                <a:off x="4801006" y="1406105"/>
+                <a:ext cx="2588016" cy="307777"/>
+              </a:xfrm>
+              <a:prstGeom prst="rect">
+                <a:avLst/>
+              </a:prstGeom>
+              <a:noFill/>
+            </p:spPr>
+            <p:txBody>
+              <a:bodyPr wrap="none" rtlCol="0">
+                <a:spAutoFit/>
+              </a:bodyPr>
+              <a:lstStyle/>
+              <a:p>
+                <a:pPr algn="ctr"/>
+                <a14:m>
+                  <m:oMath xmlns:m="http://schemas.openxmlformats.org/officeDocument/2006/math">
+                    <m:r>
+                      <a:rPr lang="en-US" altLang="ko-KR" sz="1400" b="0" i="1" smtClean="0">
+                        <a:latin typeface="Cambria Math"/>
+                      </a:rPr>
+                      <m:t>𝑛</m:t>
+                    </m:r>
+                  </m:oMath>
+                </a14:m>
+                <a:r>
+                  <a:rPr lang="ko-KR" altLang="en-US" sz="1400" dirty="0" smtClean="0">
+                    <a:latin typeface="KoPub돋움체 Bold" pitchFamily="18" charset="-127"/>
+                    <a:ea typeface="KoPub돋움체 Bold" pitchFamily="18" charset="-127"/>
+                  </a:rPr>
+                  <a:t>은 충분히 크지만</a:t>
+                </a:r>
+                <a:r>
+                  <a:rPr lang="en-US" altLang="ko-KR" sz="1400" dirty="0" smtClean="0">
+                    <a:latin typeface="KoPub돋움체 Bold" pitchFamily="18" charset="-127"/>
+                    <a:ea typeface="KoPub돋움체 Bold" pitchFamily="18" charset="-127"/>
+                  </a:rPr>
+                  <a:t>, </a:t>
+                </a:r>
+                <a14:m>
+                  <m:oMath xmlns:m="http://schemas.openxmlformats.org/officeDocument/2006/math">
+                    <m:r>
+                      <a:rPr lang="en-US" altLang="ko-KR" sz="1400" b="0" i="1" smtClean="0">
+                        <a:latin typeface="Cambria Math"/>
+                      </a:rPr>
+                      <m:t>𝑝</m:t>
+                    </m:r>
+                  </m:oMath>
+                </a14:m>
+                <a:r>
+                  <a:rPr lang="ko-KR" altLang="en-US" sz="1400" dirty="0" smtClean="0">
+                    <a:latin typeface="KoPub돋움체 Bold" pitchFamily="18" charset="-127"/>
+                    <a:ea typeface="KoPub돋움체 Bold" pitchFamily="18" charset="-127"/>
+                  </a:rPr>
+                  <a:t>가 작은 경우</a:t>
+                </a:r>
+                <a:endParaRPr lang="ko-KR" altLang="en-US" sz="1400" dirty="0">
+                  <a:latin typeface="KoPub돋움체 Bold" pitchFamily="18" charset="-127"/>
+                  <a:ea typeface="KoPub돋움체 Bold" pitchFamily="18" charset="-127"/>
+                </a:endParaRPr>
+              </a:p>
+            </p:txBody>
+          </p:sp>
+        </mc:Choice>
+        <mc:Fallback>
+          <p:sp>
+            <p:nvSpPr>
+              <p:cNvPr id="10" name="TextBox 9"/>
+              <p:cNvSpPr txBox="1">
+                <a:spLocks noRot="1" noChangeAspect="1" noMove="1" noResize="1" noEditPoints="1" noAdjustHandles="1" noChangeArrowheads="1" noChangeShapeType="1" noTextEdit="1"/>
+              </p:cNvSpPr>
+              <p:nvPr/>
+            </p:nvSpPr>
+            <p:spPr>
+              <a:xfrm>
+                <a:off x="4801006" y="1406105"/>
+                <a:ext cx="2588016" cy="307777"/>
+              </a:xfrm>
+              <a:prstGeom prst="rect">
+                <a:avLst/>
+              </a:prstGeom>
+              <a:blipFill rotWithShape="1">
+                <a:blip r:embed="rId6"/>
+                <a:stretch>
+                  <a:fillRect t="-2000" r="-236" b="-20000"/>
+                </a:stretch>
+              </a:blipFill>
+            </p:spPr>
+            <p:txBody>
+              <a:bodyPr/>
+              <a:lstStyle/>
+              <a:p>
+                <a:r>
+                  <a:rPr lang="ko-KR" altLang="en-US">
+                    <a:noFill/>
+                  </a:rPr>
+                  <a:t> </a:t>
+                </a:r>
+              </a:p>
+            </p:txBody>
+          </p:sp>
+        </mc:Fallback>
+      </mc:AlternateContent>
+      <mc:AlternateContent xmlns:mc="http://schemas.openxmlformats.org/markup-compatibility/2006">
+        <mc:Choice xmlns:a14="http://schemas.microsoft.com/office/drawing/2010/main" Requires="a14">
+          <p:sp>
+            <p:nvSpPr>
+              <p:cNvPr id="11" name="TextBox 10"/>
+              <p:cNvSpPr txBox="1"/>
+              <p:nvPr/>
+            </p:nvSpPr>
+            <p:spPr>
+              <a:xfrm>
+                <a:off x="8450700" y="1406105"/>
+                <a:ext cx="2430922" cy="307777"/>
+              </a:xfrm>
+              <a:prstGeom prst="rect">
+                <a:avLst/>
+              </a:prstGeom>
+              <a:noFill/>
+            </p:spPr>
+            <p:txBody>
+              <a:bodyPr wrap="none" rtlCol="0">
+                <a:spAutoFit/>
+              </a:bodyPr>
+              <a:lstStyle/>
+              <a:p>
+                <a:pPr algn="ctr"/>
+                <a14:m>
+                  <m:oMath xmlns:m="http://schemas.openxmlformats.org/officeDocument/2006/math">
+                    <m:r>
+                      <a:rPr lang="en-US" altLang="ko-KR" sz="1400" b="0" i="1" smtClean="0">
+                        <a:latin typeface="Cambria Math"/>
+                      </a:rPr>
+                      <m:t>𝑛</m:t>
+                    </m:r>
+                  </m:oMath>
+                </a14:m>
+                <a:r>
+                  <a:rPr lang="ko-KR" altLang="en-US" sz="1400" dirty="0" smtClean="0">
+                    <a:latin typeface="KoPub돋움체 Bold" pitchFamily="18" charset="-127"/>
+                    <a:ea typeface="KoPub돋움체 Bold" pitchFamily="18" charset="-127"/>
+                  </a:rPr>
+                  <a:t>은 충분히 크지만</a:t>
+                </a:r>
+                <a:r>
+                  <a:rPr lang="en-US" altLang="ko-KR" sz="1400" dirty="0" smtClean="0">
+                    <a:latin typeface="KoPub돋움체 Bold" pitchFamily="18" charset="-127"/>
+                    <a:ea typeface="KoPub돋움체 Bold" pitchFamily="18" charset="-127"/>
+                  </a:rPr>
+                  <a:t>, </a:t>
+                </a:r>
+                <a14:m>
+                  <m:oMath xmlns:m="http://schemas.openxmlformats.org/officeDocument/2006/math">
+                    <m:r>
+                      <a:rPr lang="en-US" altLang="ko-KR" sz="1400" b="0" i="1" smtClean="0">
+                        <a:latin typeface="Cambria Math"/>
+                      </a:rPr>
+                      <m:t>𝑝</m:t>
+                    </m:r>
+                  </m:oMath>
+                </a14:m>
+                <a:r>
+                  <a:rPr lang="ko-KR" altLang="en-US" sz="1400" dirty="0" smtClean="0">
+                    <a:latin typeface="KoPub돋움체 Bold" pitchFamily="18" charset="-127"/>
+                    <a:ea typeface="KoPub돋움체 Bold" pitchFamily="18" charset="-127"/>
+                  </a:rPr>
+                  <a:t>가 큰 경우</a:t>
+                </a:r>
+                <a:endParaRPr lang="ko-KR" altLang="en-US" sz="1400" dirty="0">
+                  <a:latin typeface="KoPub돋움체 Bold" pitchFamily="18" charset="-127"/>
+                  <a:ea typeface="KoPub돋움체 Bold" pitchFamily="18" charset="-127"/>
+                </a:endParaRPr>
+              </a:p>
+            </p:txBody>
+          </p:sp>
+        </mc:Choice>
+        <mc:Fallback>
+          <p:sp>
+            <p:nvSpPr>
+              <p:cNvPr id="11" name="TextBox 10"/>
+              <p:cNvSpPr txBox="1">
+                <a:spLocks noRot="1" noChangeAspect="1" noMove="1" noResize="1" noEditPoints="1" noAdjustHandles="1" noChangeArrowheads="1" noChangeShapeType="1" noTextEdit="1"/>
+              </p:cNvSpPr>
+              <p:nvPr/>
+            </p:nvSpPr>
+            <p:spPr>
+              <a:xfrm>
+                <a:off x="8450700" y="1406105"/>
+                <a:ext cx="2430922" cy="307777"/>
+              </a:xfrm>
+              <a:prstGeom prst="rect">
+                <a:avLst/>
+              </a:prstGeom>
+              <a:blipFill rotWithShape="1">
+                <a:blip r:embed="rId7"/>
+                <a:stretch>
+                  <a:fillRect t="-2000" r="-251" b="-20000"/>
+                </a:stretch>
+              </a:blipFill>
+            </p:spPr>
+            <p:txBody>
+              <a:bodyPr/>
+              <a:lstStyle/>
+              <a:p>
+                <a:r>
+                  <a:rPr lang="ko-KR" altLang="en-US">
+                    <a:noFill/>
+                  </a:rPr>
+                  <a:t> </a:t>
+                </a:r>
+              </a:p>
+            </p:txBody>
+          </p:sp>
+        </mc:Fallback>
+      </mc:AlternateContent>
+    </p:spTree>
+    <p:extLst>
+      <p:ext uri="{BB962C8B-B14F-4D97-AF65-F5344CB8AC3E}">
+        <p14:creationId xmlns:p14="http://schemas.microsoft.com/office/powerpoint/2010/main" val="1188533444"/>
       </p:ext>
     </p:extLst>
   </p:cSld>
@@ -3420,7 +3958,7 @@
     </a:clrScheme>
     <a:fontScheme name="Office">
       <a:majorFont>
-        <a:latin typeface="맑은 고딕" panose="020F0302020204030204"/>
+        <a:latin typeface="맑은 고딕"/>
         <a:ea typeface=""/>
         <a:cs typeface=""/>
         <a:font script="Jpan" typeface="游ゴシック Light"/>
@@ -3472,7 +4010,7 @@
         <a:font script="Tfng" typeface="Ebrima"/>
       </a:majorFont>
       <a:minorFont>
-        <a:latin typeface="맑은 고딕" panose="020F0502020204030204"/>
+        <a:latin typeface="맑은 고딕"/>
         <a:ea typeface=""/>
         <a:cs typeface=""/>
         <a:font script="Jpan" typeface="游ゴシック"/>
@@ -3666,7 +4204,7 @@
   <a:extraClrSchemeLst/>
   <a:extLst>
     <a:ext uri="{05A4C25C-085E-4340-85A3-A5531E510DB2}">
-      <thm15:themeFamily xmlns:thm15="http://schemas.microsoft.com/office/thememl/2012/main" name="Office Theme" id="{62F939B6-93AF-4DB8-9C6B-D6C7DFDC589F}" vid="{4A3C46E8-61CC-4603-A589-7422A47A8E4A}"/>
+      <thm15:themeFamily xmlns:thm15="http://schemas.microsoft.com/office/thememl/2012/main" xmlns="" name="Office Theme" id="{62F939B6-93AF-4DB8-9C6B-D6C7DFDC589F}" vid="{4A3C46E8-61CC-4603-A589-7422A47A8E4A}"/>
     </a:ext>
   </a:extLst>
 </a:theme>

--- a/pics/2021-04-23-binomial_distribution/pics.pptx
+++ b/pics/2021-04-23-binomial_distribution/pics.pptx
@@ -6,7 +6,9 @@
   </p:sldMasterIdLst>
   <p:sldIdLst>
     <p:sldId id="256" r:id="rId2"/>
-    <p:sldId id="257" r:id="rId3"/>
+    <p:sldId id="258" r:id="rId3"/>
+    <p:sldId id="257" r:id="rId4"/>
+    <p:sldId id="259" r:id="rId5"/>
   </p:sldIdLst>
   <p:sldSz cx="12192000" cy="6858000"/>
   <p:notesSz cx="6858000" cy="9144000"/>
@@ -107,7 +109,18 @@
   </p:defaultTextStyle>
   <p:extLst>
     <p:ext uri="{EFAFB233-063F-42B5-8137-9DF3F51BA10A}">
-      <p15:sldGuideLst xmlns:p15="http://schemas.microsoft.com/office/powerpoint/2012/main" xmlns=""/>
+      <p15:sldGuideLst xmlns:p15="http://schemas.microsoft.com/office/powerpoint/2012/main">
+        <p15:guide id="1" orient="horz" pos="2160">
+          <p15:clr>
+            <a:srgbClr val="A4A3A4"/>
+          </p15:clr>
+        </p15:guide>
+        <p15:guide id="2" pos="3840">
+          <p15:clr>
+            <a:srgbClr val="A4A3A4"/>
+          </p15:clr>
+        </p15:guide>
+      </p15:sldGuideLst>
     </p:ext>
   </p:extLst>
 </p:presentation>
@@ -135,7 +148,7 @@
           <p:cNvPr id="2" name="제목 1">
             <a:extLst>
               <a:ext uri="{FF2B5EF4-FFF2-40B4-BE49-F238E27FC236}">
-                <a16:creationId xmlns:a16="http://schemas.microsoft.com/office/drawing/2014/main" xmlns="" id="{92AE7B65-CD1D-4B5A-AC0B-EC628A1EC479}"/>
+                <a16:creationId xmlns:a16="http://schemas.microsoft.com/office/drawing/2014/main" id="{92AE7B65-CD1D-4B5A-AC0B-EC628A1EC479}"/>
               </a:ext>
             </a:extLst>
           </p:cNvPr>
@@ -172,7 +185,7 @@
           <p:cNvPr id="3" name="부제목 2">
             <a:extLst>
               <a:ext uri="{FF2B5EF4-FFF2-40B4-BE49-F238E27FC236}">
-                <a16:creationId xmlns:a16="http://schemas.microsoft.com/office/drawing/2014/main" xmlns="" id="{AC604126-17AA-4904-9CED-2E02570D1011}"/>
+                <a16:creationId xmlns:a16="http://schemas.microsoft.com/office/drawing/2014/main" id="{AC604126-17AA-4904-9CED-2E02570D1011}"/>
               </a:ext>
             </a:extLst>
           </p:cNvPr>
@@ -242,7 +255,7 @@
           <p:cNvPr id="4" name="날짜 개체 틀 3">
             <a:extLst>
               <a:ext uri="{FF2B5EF4-FFF2-40B4-BE49-F238E27FC236}">
-                <a16:creationId xmlns:a16="http://schemas.microsoft.com/office/drawing/2014/main" xmlns="" id="{31956101-B332-4D99-A989-EB22E2BE84DF}"/>
+                <a16:creationId xmlns:a16="http://schemas.microsoft.com/office/drawing/2014/main" id="{31956101-B332-4D99-A989-EB22E2BE84DF}"/>
               </a:ext>
             </a:extLst>
           </p:cNvPr>
@@ -260,7 +273,7 @@
           <a:p>
             <a:fld id="{5BD3D61C-91E8-4975-B752-B0ED7D93F697}" type="datetimeFigureOut">
               <a:rPr lang="ko-KR" altLang="en-US" smtClean="0"/>
-              <a:t>2021-04-26</a:t>
+              <a:t>2023-05-08</a:t>
             </a:fld>
             <a:endParaRPr lang="ko-KR" altLang="en-US"/>
           </a:p>
@@ -271,7 +284,7 @@
           <p:cNvPr id="5" name="바닥글 개체 틀 4">
             <a:extLst>
               <a:ext uri="{FF2B5EF4-FFF2-40B4-BE49-F238E27FC236}">
-                <a16:creationId xmlns:a16="http://schemas.microsoft.com/office/drawing/2014/main" xmlns="" id="{C5C9CE56-4111-4664-9DAB-7180509602D9}"/>
+                <a16:creationId xmlns:a16="http://schemas.microsoft.com/office/drawing/2014/main" id="{C5C9CE56-4111-4664-9DAB-7180509602D9}"/>
               </a:ext>
             </a:extLst>
           </p:cNvPr>
@@ -296,7 +309,7 @@
           <p:cNvPr id="6" name="슬라이드 번호 개체 틀 5">
             <a:extLst>
               <a:ext uri="{FF2B5EF4-FFF2-40B4-BE49-F238E27FC236}">
-                <a16:creationId xmlns:a16="http://schemas.microsoft.com/office/drawing/2014/main" xmlns="" id="{67DCACFE-D477-49B7-868C-557AC50ED5F9}"/>
+                <a16:creationId xmlns:a16="http://schemas.microsoft.com/office/drawing/2014/main" id="{67DCACFE-D477-49B7-868C-557AC50ED5F9}"/>
               </a:ext>
             </a:extLst>
           </p:cNvPr>
@@ -355,7 +368,7 @@
           <p:cNvPr id="2" name="제목 1">
             <a:extLst>
               <a:ext uri="{FF2B5EF4-FFF2-40B4-BE49-F238E27FC236}">
-                <a16:creationId xmlns:a16="http://schemas.microsoft.com/office/drawing/2014/main" xmlns="" id="{641B5D79-7F18-4839-AFB1-2627029658C9}"/>
+                <a16:creationId xmlns:a16="http://schemas.microsoft.com/office/drawing/2014/main" id="{641B5D79-7F18-4839-AFB1-2627029658C9}"/>
               </a:ext>
             </a:extLst>
           </p:cNvPr>
@@ -383,7 +396,7 @@
           <p:cNvPr id="3" name="세로 텍스트 개체 틀 2">
             <a:extLst>
               <a:ext uri="{FF2B5EF4-FFF2-40B4-BE49-F238E27FC236}">
-                <a16:creationId xmlns:a16="http://schemas.microsoft.com/office/drawing/2014/main" xmlns="" id="{D1CE89AA-1DF3-4575-8A26-2D7FDE842A1D}"/>
+                <a16:creationId xmlns:a16="http://schemas.microsoft.com/office/drawing/2014/main" id="{D1CE89AA-1DF3-4575-8A26-2D7FDE842A1D}"/>
               </a:ext>
             </a:extLst>
           </p:cNvPr>
@@ -440,7 +453,7 @@
           <p:cNvPr id="4" name="날짜 개체 틀 3">
             <a:extLst>
               <a:ext uri="{FF2B5EF4-FFF2-40B4-BE49-F238E27FC236}">
-                <a16:creationId xmlns:a16="http://schemas.microsoft.com/office/drawing/2014/main" xmlns="" id="{32C8AF2F-01E3-4D72-A75F-8DAB7BEAA83B}"/>
+                <a16:creationId xmlns:a16="http://schemas.microsoft.com/office/drawing/2014/main" id="{32C8AF2F-01E3-4D72-A75F-8DAB7BEAA83B}"/>
               </a:ext>
             </a:extLst>
           </p:cNvPr>
@@ -458,7 +471,7 @@
           <a:p>
             <a:fld id="{5BD3D61C-91E8-4975-B752-B0ED7D93F697}" type="datetimeFigureOut">
               <a:rPr lang="ko-KR" altLang="en-US" smtClean="0"/>
-              <a:t>2021-04-26</a:t>
+              <a:t>2023-05-08</a:t>
             </a:fld>
             <a:endParaRPr lang="ko-KR" altLang="en-US"/>
           </a:p>
@@ -469,7 +482,7 @@
           <p:cNvPr id="5" name="바닥글 개체 틀 4">
             <a:extLst>
               <a:ext uri="{FF2B5EF4-FFF2-40B4-BE49-F238E27FC236}">
-                <a16:creationId xmlns:a16="http://schemas.microsoft.com/office/drawing/2014/main" xmlns="" id="{972F472B-8D56-4F79-87DE-C0CFCCE40ECC}"/>
+                <a16:creationId xmlns:a16="http://schemas.microsoft.com/office/drawing/2014/main" id="{972F472B-8D56-4F79-87DE-C0CFCCE40ECC}"/>
               </a:ext>
             </a:extLst>
           </p:cNvPr>
@@ -494,7 +507,7 @@
           <p:cNvPr id="6" name="슬라이드 번호 개체 틀 5">
             <a:extLst>
               <a:ext uri="{FF2B5EF4-FFF2-40B4-BE49-F238E27FC236}">
-                <a16:creationId xmlns:a16="http://schemas.microsoft.com/office/drawing/2014/main" xmlns="" id="{8E46DF30-C40A-478A-8981-09D7360E9EFD}"/>
+                <a16:creationId xmlns:a16="http://schemas.microsoft.com/office/drawing/2014/main" id="{8E46DF30-C40A-478A-8981-09D7360E9EFD}"/>
               </a:ext>
             </a:extLst>
           </p:cNvPr>
@@ -553,7 +566,7 @@
           <p:cNvPr id="2" name="세로 제목 1">
             <a:extLst>
               <a:ext uri="{FF2B5EF4-FFF2-40B4-BE49-F238E27FC236}">
-                <a16:creationId xmlns:a16="http://schemas.microsoft.com/office/drawing/2014/main" xmlns="" id="{E5305361-07C5-4641-A262-9FC9A82789E3}"/>
+                <a16:creationId xmlns:a16="http://schemas.microsoft.com/office/drawing/2014/main" id="{E5305361-07C5-4641-A262-9FC9A82789E3}"/>
               </a:ext>
             </a:extLst>
           </p:cNvPr>
@@ -586,7 +599,7 @@
           <p:cNvPr id="3" name="세로 텍스트 개체 틀 2">
             <a:extLst>
               <a:ext uri="{FF2B5EF4-FFF2-40B4-BE49-F238E27FC236}">
-                <a16:creationId xmlns:a16="http://schemas.microsoft.com/office/drawing/2014/main" xmlns="" id="{276A2A7D-4E1D-4873-8785-29676E81CC32}"/>
+                <a16:creationId xmlns:a16="http://schemas.microsoft.com/office/drawing/2014/main" id="{276A2A7D-4E1D-4873-8785-29676E81CC32}"/>
               </a:ext>
             </a:extLst>
           </p:cNvPr>
@@ -648,7 +661,7 @@
           <p:cNvPr id="4" name="날짜 개체 틀 3">
             <a:extLst>
               <a:ext uri="{FF2B5EF4-FFF2-40B4-BE49-F238E27FC236}">
-                <a16:creationId xmlns:a16="http://schemas.microsoft.com/office/drawing/2014/main" xmlns="" id="{8D17FA96-D437-4429-B045-3FE6F30E2BB3}"/>
+                <a16:creationId xmlns:a16="http://schemas.microsoft.com/office/drawing/2014/main" id="{8D17FA96-D437-4429-B045-3FE6F30E2BB3}"/>
               </a:ext>
             </a:extLst>
           </p:cNvPr>
@@ -666,7 +679,7 @@
           <a:p>
             <a:fld id="{5BD3D61C-91E8-4975-B752-B0ED7D93F697}" type="datetimeFigureOut">
               <a:rPr lang="ko-KR" altLang="en-US" smtClean="0"/>
-              <a:t>2021-04-26</a:t>
+              <a:t>2023-05-08</a:t>
             </a:fld>
             <a:endParaRPr lang="ko-KR" altLang="en-US"/>
           </a:p>
@@ -677,7 +690,7 @@
           <p:cNvPr id="5" name="바닥글 개체 틀 4">
             <a:extLst>
               <a:ext uri="{FF2B5EF4-FFF2-40B4-BE49-F238E27FC236}">
-                <a16:creationId xmlns:a16="http://schemas.microsoft.com/office/drawing/2014/main" xmlns="" id="{1B9636B6-C900-4FB3-B275-79172C01D6BE}"/>
+                <a16:creationId xmlns:a16="http://schemas.microsoft.com/office/drawing/2014/main" id="{1B9636B6-C900-4FB3-B275-79172C01D6BE}"/>
               </a:ext>
             </a:extLst>
           </p:cNvPr>
@@ -702,7 +715,7 @@
           <p:cNvPr id="6" name="슬라이드 번호 개체 틀 5">
             <a:extLst>
               <a:ext uri="{FF2B5EF4-FFF2-40B4-BE49-F238E27FC236}">
-                <a16:creationId xmlns:a16="http://schemas.microsoft.com/office/drawing/2014/main" xmlns="" id="{C98ED465-2BE0-4673-949C-CD60BEC2A141}"/>
+                <a16:creationId xmlns:a16="http://schemas.microsoft.com/office/drawing/2014/main" id="{C98ED465-2BE0-4673-949C-CD60BEC2A141}"/>
               </a:ext>
             </a:extLst>
           </p:cNvPr>
@@ -761,7 +774,7 @@
           <p:cNvPr id="2" name="제목 1">
             <a:extLst>
               <a:ext uri="{FF2B5EF4-FFF2-40B4-BE49-F238E27FC236}">
-                <a16:creationId xmlns:a16="http://schemas.microsoft.com/office/drawing/2014/main" xmlns="" id="{1A9ED4DE-27A0-41B7-BCC5-40742CC5CE3B}"/>
+                <a16:creationId xmlns:a16="http://schemas.microsoft.com/office/drawing/2014/main" id="{1A9ED4DE-27A0-41B7-BCC5-40742CC5CE3B}"/>
               </a:ext>
             </a:extLst>
           </p:cNvPr>
@@ -789,7 +802,7 @@
           <p:cNvPr id="3" name="내용 개체 틀 2">
             <a:extLst>
               <a:ext uri="{FF2B5EF4-FFF2-40B4-BE49-F238E27FC236}">
-                <a16:creationId xmlns:a16="http://schemas.microsoft.com/office/drawing/2014/main" xmlns="" id="{250C49DB-C818-4F74-868F-FA33FAA1CF88}"/>
+                <a16:creationId xmlns:a16="http://schemas.microsoft.com/office/drawing/2014/main" id="{250C49DB-C818-4F74-868F-FA33FAA1CF88}"/>
               </a:ext>
             </a:extLst>
           </p:cNvPr>
@@ -846,7 +859,7 @@
           <p:cNvPr id="4" name="날짜 개체 틀 3">
             <a:extLst>
               <a:ext uri="{FF2B5EF4-FFF2-40B4-BE49-F238E27FC236}">
-                <a16:creationId xmlns:a16="http://schemas.microsoft.com/office/drawing/2014/main" xmlns="" id="{3711DCE0-9518-49C9-A860-856B8DF2ACBB}"/>
+                <a16:creationId xmlns:a16="http://schemas.microsoft.com/office/drawing/2014/main" id="{3711DCE0-9518-49C9-A860-856B8DF2ACBB}"/>
               </a:ext>
             </a:extLst>
           </p:cNvPr>
@@ -864,7 +877,7 @@
           <a:p>
             <a:fld id="{5BD3D61C-91E8-4975-B752-B0ED7D93F697}" type="datetimeFigureOut">
               <a:rPr lang="ko-KR" altLang="en-US" smtClean="0"/>
-              <a:t>2021-04-26</a:t>
+              <a:t>2023-05-08</a:t>
             </a:fld>
             <a:endParaRPr lang="ko-KR" altLang="en-US"/>
           </a:p>
@@ -875,7 +888,7 @@
           <p:cNvPr id="5" name="바닥글 개체 틀 4">
             <a:extLst>
               <a:ext uri="{FF2B5EF4-FFF2-40B4-BE49-F238E27FC236}">
-                <a16:creationId xmlns:a16="http://schemas.microsoft.com/office/drawing/2014/main" xmlns="" id="{C0771609-680C-4909-BAFA-B3644BA0F2D3}"/>
+                <a16:creationId xmlns:a16="http://schemas.microsoft.com/office/drawing/2014/main" id="{C0771609-680C-4909-BAFA-B3644BA0F2D3}"/>
               </a:ext>
             </a:extLst>
           </p:cNvPr>
@@ -900,7 +913,7 @@
           <p:cNvPr id="6" name="슬라이드 번호 개체 틀 5">
             <a:extLst>
               <a:ext uri="{FF2B5EF4-FFF2-40B4-BE49-F238E27FC236}">
-                <a16:creationId xmlns:a16="http://schemas.microsoft.com/office/drawing/2014/main" xmlns="" id="{77E4197E-FF65-4FC6-909E-9713E064BA91}"/>
+                <a16:creationId xmlns:a16="http://schemas.microsoft.com/office/drawing/2014/main" id="{77E4197E-FF65-4FC6-909E-9713E064BA91}"/>
               </a:ext>
             </a:extLst>
           </p:cNvPr>
@@ -959,7 +972,7 @@
           <p:cNvPr id="2" name="제목 1">
             <a:extLst>
               <a:ext uri="{FF2B5EF4-FFF2-40B4-BE49-F238E27FC236}">
-                <a16:creationId xmlns:a16="http://schemas.microsoft.com/office/drawing/2014/main" xmlns="" id="{E8E2B0A9-E3FF-48C7-A029-6A5993DEFEF6}"/>
+                <a16:creationId xmlns:a16="http://schemas.microsoft.com/office/drawing/2014/main" id="{E8E2B0A9-E3FF-48C7-A029-6A5993DEFEF6}"/>
               </a:ext>
             </a:extLst>
           </p:cNvPr>
@@ -996,7 +1009,7 @@
           <p:cNvPr id="3" name="텍스트 개체 틀 2">
             <a:extLst>
               <a:ext uri="{FF2B5EF4-FFF2-40B4-BE49-F238E27FC236}">
-                <a16:creationId xmlns:a16="http://schemas.microsoft.com/office/drawing/2014/main" xmlns="" id="{5307356A-E1E3-4233-A840-25B3B2FDBBCD}"/>
+                <a16:creationId xmlns:a16="http://schemas.microsoft.com/office/drawing/2014/main" id="{5307356A-E1E3-4233-A840-25B3B2FDBBCD}"/>
               </a:ext>
             </a:extLst>
           </p:cNvPr>
@@ -1121,7 +1134,7 @@
           <p:cNvPr id="4" name="날짜 개체 틀 3">
             <a:extLst>
               <a:ext uri="{FF2B5EF4-FFF2-40B4-BE49-F238E27FC236}">
-                <a16:creationId xmlns:a16="http://schemas.microsoft.com/office/drawing/2014/main" xmlns="" id="{908994BD-9447-4F9D-B330-A49FF52AE297}"/>
+                <a16:creationId xmlns:a16="http://schemas.microsoft.com/office/drawing/2014/main" id="{908994BD-9447-4F9D-B330-A49FF52AE297}"/>
               </a:ext>
             </a:extLst>
           </p:cNvPr>
@@ -1139,7 +1152,7 @@
           <a:p>
             <a:fld id="{5BD3D61C-91E8-4975-B752-B0ED7D93F697}" type="datetimeFigureOut">
               <a:rPr lang="ko-KR" altLang="en-US" smtClean="0"/>
-              <a:t>2021-04-26</a:t>
+              <a:t>2023-05-08</a:t>
             </a:fld>
             <a:endParaRPr lang="ko-KR" altLang="en-US"/>
           </a:p>
@@ -1150,7 +1163,7 @@
           <p:cNvPr id="5" name="바닥글 개체 틀 4">
             <a:extLst>
               <a:ext uri="{FF2B5EF4-FFF2-40B4-BE49-F238E27FC236}">
-                <a16:creationId xmlns:a16="http://schemas.microsoft.com/office/drawing/2014/main" xmlns="" id="{EA620886-08F1-44F1-AD20-2E3D93E7D370}"/>
+                <a16:creationId xmlns:a16="http://schemas.microsoft.com/office/drawing/2014/main" id="{EA620886-08F1-44F1-AD20-2E3D93E7D370}"/>
               </a:ext>
             </a:extLst>
           </p:cNvPr>
@@ -1175,7 +1188,7 @@
           <p:cNvPr id="6" name="슬라이드 번호 개체 틀 5">
             <a:extLst>
               <a:ext uri="{FF2B5EF4-FFF2-40B4-BE49-F238E27FC236}">
-                <a16:creationId xmlns:a16="http://schemas.microsoft.com/office/drawing/2014/main" xmlns="" id="{09684289-6DF5-4D24-BB02-B1B9F988FC4F}"/>
+                <a16:creationId xmlns:a16="http://schemas.microsoft.com/office/drawing/2014/main" id="{09684289-6DF5-4D24-BB02-B1B9F988FC4F}"/>
               </a:ext>
             </a:extLst>
           </p:cNvPr>
@@ -1234,7 +1247,7 @@
           <p:cNvPr id="2" name="제목 1">
             <a:extLst>
               <a:ext uri="{FF2B5EF4-FFF2-40B4-BE49-F238E27FC236}">
-                <a16:creationId xmlns:a16="http://schemas.microsoft.com/office/drawing/2014/main" xmlns="" id="{AE6EDCB4-D164-4AA7-87C6-CCD4A252C39D}"/>
+                <a16:creationId xmlns:a16="http://schemas.microsoft.com/office/drawing/2014/main" id="{AE6EDCB4-D164-4AA7-87C6-CCD4A252C39D}"/>
               </a:ext>
             </a:extLst>
           </p:cNvPr>
@@ -1262,7 +1275,7 @@
           <p:cNvPr id="3" name="내용 개체 틀 2">
             <a:extLst>
               <a:ext uri="{FF2B5EF4-FFF2-40B4-BE49-F238E27FC236}">
-                <a16:creationId xmlns:a16="http://schemas.microsoft.com/office/drawing/2014/main" xmlns="" id="{AD949049-60CE-4731-9558-19799CD9003A}"/>
+                <a16:creationId xmlns:a16="http://schemas.microsoft.com/office/drawing/2014/main" id="{AD949049-60CE-4731-9558-19799CD9003A}"/>
               </a:ext>
             </a:extLst>
           </p:cNvPr>
@@ -1324,7 +1337,7 @@
           <p:cNvPr id="4" name="내용 개체 틀 3">
             <a:extLst>
               <a:ext uri="{FF2B5EF4-FFF2-40B4-BE49-F238E27FC236}">
-                <a16:creationId xmlns:a16="http://schemas.microsoft.com/office/drawing/2014/main" xmlns="" id="{59205D79-F835-4272-8FDE-16AADB9ED288}"/>
+                <a16:creationId xmlns:a16="http://schemas.microsoft.com/office/drawing/2014/main" id="{59205D79-F835-4272-8FDE-16AADB9ED288}"/>
               </a:ext>
             </a:extLst>
           </p:cNvPr>
@@ -1386,7 +1399,7 @@
           <p:cNvPr id="5" name="날짜 개체 틀 4">
             <a:extLst>
               <a:ext uri="{FF2B5EF4-FFF2-40B4-BE49-F238E27FC236}">
-                <a16:creationId xmlns:a16="http://schemas.microsoft.com/office/drawing/2014/main" xmlns="" id="{7D120705-E67C-4057-BF18-904AFF548CB5}"/>
+                <a16:creationId xmlns:a16="http://schemas.microsoft.com/office/drawing/2014/main" id="{7D120705-E67C-4057-BF18-904AFF548CB5}"/>
               </a:ext>
             </a:extLst>
           </p:cNvPr>
@@ -1404,7 +1417,7 @@
           <a:p>
             <a:fld id="{5BD3D61C-91E8-4975-B752-B0ED7D93F697}" type="datetimeFigureOut">
               <a:rPr lang="ko-KR" altLang="en-US" smtClean="0"/>
-              <a:t>2021-04-26</a:t>
+              <a:t>2023-05-08</a:t>
             </a:fld>
             <a:endParaRPr lang="ko-KR" altLang="en-US"/>
           </a:p>
@@ -1415,7 +1428,7 @@
           <p:cNvPr id="6" name="바닥글 개체 틀 5">
             <a:extLst>
               <a:ext uri="{FF2B5EF4-FFF2-40B4-BE49-F238E27FC236}">
-                <a16:creationId xmlns:a16="http://schemas.microsoft.com/office/drawing/2014/main" xmlns="" id="{950017F9-A1EE-4EA7-B2DA-8EDC0B4B6F4F}"/>
+                <a16:creationId xmlns:a16="http://schemas.microsoft.com/office/drawing/2014/main" id="{950017F9-A1EE-4EA7-B2DA-8EDC0B4B6F4F}"/>
               </a:ext>
             </a:extLst>
           </p:cNvPr>
@@ -1440,7 +1453,7 @@
           <p:cNvPr id="7" name="슬라이드 번호 개체 틀 6">
             <a:extLst>
               <a:ext uri="{FF2B5EF4-FFF2-40B4-BE49-F238E27FC236}">
-                <a16:creationId xmlns:a16="http://schemas.microsoft.com/office/drawing/2014/main" xmlns="" id="{8DEC0B46-B375-440C-AC1D-6D13344D9E70}"/>
+                <a16:creationId xmlns:a16="http://schemas.microsoft.com/office/drawing/2014/main" id="{8DEC0B46-B375-440C-AC1D-6D13344D9E70}"/>
               </a:ext>
             </a:extLst>
           </p:cNvPr>
@@ -1499,7 +1512,7 @@
           <p:cNvPr id="2" name="제목 1">
             <a:extLst>
               <a:ext uri="{FF2B5EF4-FFF2-40B4-BE49-F238E27FC236}">
-                <a16:creationId xmlns:a16="http://schemas.microsoft.com/office/drawing/2014/main" xmlns="" id="{F9180053-93E8-4C58-BE22-C976AF6CB4DB}"/>
+                <a16:creationId xmlns:a16="http://schemas.microsoft.com/office/drawing/2014/main" id="{F9180053-93E8-4C58-BE22-C976AF6CB4DB}"/>
               </a:ext>
             </a:extLst>
           </p:cNvPr>
@@ -1532,7 +1545,7 @@
           <p:cNvPr id="3" name="텍스트 개체 틀 2">
             <a:extLst>
               <a:ext uri="{FF2B5EF4-FFF2-40B4-BE49-F238E27FC236}">
-                <a16:creationId xmlns:a16="http://schemas.microsoft.com/office/drawing/2014/main" xmlns="" id="{F48131C3-1CC6-45FD-81D2-2D3BC99D1212}"/>
+                <a16:creationId xmlns:a16="http://schemas.microsoft.com/office/drawing/2014/main" id="{F48131C3-1CC6-45FD-81D2-2D3BC99D1212}"/>
               </a:ext>
             </a:extLst>
           </p:cNvPr>
@@ -1603,7 +1616,7 @@
           <p:cNvPr id="4" name="내용 개체 틀 3">
             <a:extLst>
               <a:ext uri="{FF2B5EF4-FFF2-40B4-BE49-F238E27FC236}">
-                <a16:creationId xmlns:a16="http://schemas.microsoft.com/office/drawing/2014/main" xmlns="" id="{4770B383-B2B2-48E5-8967-5689D159C187}"/>
+                <a16:creationId xmlns:a16="http://schemas.microsoft.com/office/drawing/2014/main" id="{4770B383-B2B2-48E5-8967-5689D159C187}"/>
               </a:ext>
             </a:extLst>
           </p:cNvPr>
@@ -1665,7 +1678,7 @@
           <p:cNvPr id="5" name="텍스트 개체 틀 4">
             <a:extLst>
               <a:ext uri="{FF2B5EF4-FFF2-40B4-BE49-F238E27FC236}">
-                <a16:creationId xmlns:a16="http://schemas.microsoft.com/office/drawing/2014/main" xmlns="" id="{A0629A68-9B9E-405E-8F2F-7922E056B46A}"/>
+                <a16:creationId xmlns:a16="http://schemas.microsoft.com/office/drawing/2014/main" id="{A0629A68-9B9E-405E-8F2F-7922E056B46A}"/>
               </a:ext>
             </a:extLst>
           </p:cNvPr>
@@ -1736,7 +1749,7 @@
           <p:cNvPr id="6" name="내용 개체 틀 5">
             <a:extLst>
               <a:ext uri="{FF2B5EF4-FFF2-40B4-BE49-F238E27FC236}">
-                <a16:creationId xmlns:a16="http://schemas.microsoft.com/office/drawing/2014/main" xmlns="" id="{05A15E5C-8142-4173-A393-87E27DB94D76}"/>
+                <a16:creationId xmlns:a16="http://schemas.microsoft.com/office/drawing/2014/main" id="{05A15E5C-8142-4173-A393-87E27DB94D76}"/>
               </a:ext>
             </a:extLst>
           </p:cNvPr>
@@ -1798,7 +1811,7 @@
           <p:cNvPr id="7" name="날짜 개체 틀 6">
             <a:extLst>
               <a:ext uri="{FF2B5EF4-FFF2-40B4-BE49-F238E27FC236}">
-                <a16:creationId xmlns:a16="http://schemas.microsoft.com/office/drawing/2014/main" xmlns="" id="{4D5536FB-1353-4125-853E-AFC2DE773150}"/>
+                <a16:creationId xmlns:a16="http://schemas.microsoft.com/office/drawing/2014/main" id="{4D5536FB-1353-4125-853E-AFC2DE773150}"/>
               </a:ext>
             </a:extLst>
           </p:cNvPr>
@@ -1816,7 +1829,7 @@
           <a:p>
             <a:fld id="{5BD3D61C-91E8-4975-B752-B0ED7D93F697}" type="datetimeFigureOut">
               <a:rPr lang="ko-KR" altLang="en-US" smtClean="0"/>
-              <a:t>2021-04-26</a:t>
+              <a:t>2023-05-08</a:t>
             </a:fld>
             <a:endParaRPr lang="ko-KR" altLang="en-US"/>
           </a:p>
@@ -1827,7 +1840,7 @@
           <p:cNvPr id="8" name="바닥글 개체 틀 7">
             <a:extLst>
               <a:ext uri="{FF2B5EF4-FFF2-40B4-BE49-F238E27FC236}">
-                <a16:creationId xmlns:a16="http://schemas.microsoft.com/office/drawing/2014/main" xmlns="" id="{A2C0F608-7960-4858-A83B-694F59EC2DB8}"/>
+                <a16:creationId xmlns:a16="http://schemas.microsoft.com/office/drawing/2014/main" id="{A2C0F608-7960-4858-A83B-694F59EC2DB8}"/>
               </a:ext>
             </a:extLst>
           </p:cNvPr>
@@ -1852,7 +1865,7 @@
           <p:cNvPr id="9" name="슬라이드 번호 개체 틀 8">
             <a:extLst>
               <a:ext uri="{FF2B5EF4-FFF2-40B4-BE49-F238E27FC236}">
-                <a16:creationId xmlns:a16="http://schemas.microsoft.com/office/drawing/2014/main" xmlns="" id="{A34DA77F-8D2B-4F4B-9AE3-E91F5C112B4C}"/>
+                <a16:creationId xmlns:a16="http://schemas.microsoft.com/office/drawing/2014/main" id="{A34DA77F-8D2B-4F4B-9AE3-E91F5C112B4C}"/>
               </a:ext>
             </a:extLst>
           </p:cNvPr>
@@ -1911,7 +1924,7 @@
           <p:cNvPr id="2" name="제목 1">
             <a:extLst>
               <a:ext uri="{FF2B5EF4-FFF2-40B4-BE49-F238E27FC236}">
-                <a16:creationId xmlns:a16="http://schemas.microsoft.com/office/drawing/2014/main" xmlns="" id="{B3897722-2820-414A-8280-9DDD8C0CD016}"/>
+                <a16:creationId xmlns:a16="http://schemas.microsoft.com/office/drawing/2014/main" id="{B3897722-2820-414A-8280-9DDD8C0CD016}"/>
               </a:ext>
             </a:extLst>
           </p:cNvPr>
@@ -1939,7 +1952,7 @@
           <p:cNvPr id="3" name="날짜 개체 틀 2">
             <a:extLst>
               <a:ext uri="{FF2B5EF4-FFF2-40B4-BE49-F238E27FC236}">
-                <a16:creationId xmlns:a16="http://schemas.microsoft.com/office/drawing/2014/main" xmlns="" id="{3ADAB480-1DE4-4E57-B91E-F1056E1C9E79}"/>
+                <a16:creationId xmlns:a16="http://schemas.microsoft.com/office/drawing/2014/main" id="{3ADAB480-1DE4-4E57-B91E-F1056E1C9E79}"/>
               </a:ext>
             </a:extLst>
           </p:cNvPr>
@@ -1957,7 +1970,7 @@
           <a:p>
             <a:fld id="{5BD3D61C-91E8-4975-B752-B0ED7D93F697}" type="datetimeFigureOut">
               <a:rPr lang="ko-KR" altLang="en-US" smtClean="0"/>
-              <a:t>2021-04-26</a:t>
+              <a:t>2023-05-08</a:t>
             </a:fld>
             <a:endParaRPr lang="ko-KR" altLang="en-US"/>
           </a:p>
@@ -1968,7 +1981,7 @@
           <p:cNvPr id="4" name="바닥글 개체 틀 3">
             <a:extLst>
               <a:ext uri="{FF2B5EF4-FFF2-40B4-BE49-F238E27FC236}">
-                <a16:creationId xmlns:a16="http://schemas.microsoft.com/office/drawing/2014/main" xmlns="" id="{2DF24594-2316-4133-94EA-118599D78EC9}"/>
+                <a16:creationId xmlns:a16="http://schemas.microsoft.com/office/drawing/2014/main" id="{2DF24594-2316-4133-94EA-118599D78EC9}"/>
               </a:ext>
             </a:extLst>
           </p:cNvPr>
@@ -1993,7 +2006,7 @@
           <p:cNvPr id="5" name="슬라이드 번호 개체 틀 4">
             <a:extLst>
               <a:ext uri="{FF2B5EF4-FFF2-40B4-BE49-F238E27FC236}">
-                <a16:creationId xmlns:a16="http://schemas.microsoft.com/office/drawing/2014/main" xmlns="" id="{8E4D90E1-31BF-4D36-92E5-8029951E7FD7}"/>
+                <a16:creationId xmlns:a16="http://schemas.microsoft.com/office/drawing/2014/main" id="{8E4D90E1-31BF-4D36-92E5-8029951E7FD7}"/>
               </a:ext>
             </a:extLst>
           </p:cNvPr>
@@ -2052,7 +2065,7 @@
           <p:cNvPr id="2" name="날짜 개체 틀 1">
             <a:extLst>
               <a:ext uri="{FF2B5EF4-FFF2-40B4-BE49-F238E27FC236}">
-                <a16:creationId xmlns:a16="http://schemas.microsoft.com/office/drawing/2014/main" xmlns="" id="{19974F95-2729-4140-BE8E-A55EB1D5A443}"/>
+                <a16:creationId xmlns:a16="http://schemas.microsoft.com/office/drawing/2014/main" id="{19974F95-2729-4140-BE8E-A55EB1D5A443}"/>
               </a:ext>
             </a:extLst>
           </p:cNvPr>
@@ -2070,7 +2083,7 @@
           <a:p>
             <a:fld id="{5BD3D61C-91E8-4975-B752-B0ED7D93F697}" type="datetimeFigureOut">
               <a:rPr lang="ko-KR" altLang="en-US" smtClean="0"/>
-              <a:t>2021-04-26</a:t>
+              <a:t>2023-05-08</a:t>
             </a:fld>
             <a:endParaRPr lang="ko-KR" altLang="en-US"/>
           </a:p>
@@ -2081,7 +2094,7 @@
           <p:cNvPr id="3" name="바닥글 개체 틀 2">
             <a:extLst>
               <a:ext uri="{FF2B5EF4-FFF2-40B4-BE49-F238E27FC236}">
-                <a16:creationId xmlns:a16="http://schemas.microsoft.com/office/drawing/2014/main" xmlns="" id="{06291714-F8E6-478B-9128-448B35594432}"/>
+                <a16:creationId xmlns:a16="http://schemas.microsoft.com/office/drawing/2014/main" id="{06291714-F8E6-478B-9128-448B35594432}"/>
               </a:ext>
             </a:extLst>
           </p:cNvPr>
@@ -2106,7 +2119,7 @@
           <p:cNvPr id="4" name="슬라이드 번호 개체 틀 3">
             <a:extLst>
               <a:ext uri="{FF2B5EF4-FFF2-40B4-BE49-F238E27FC236}">
-                <a16:creationId xmlns:a16="http://schemas.microsoft.com/office/drawing/2014/main" xmlns="" id="{5D1A6EB0-FD15-4655-9F74-4DF53EFC6EF3}"/>
+                <a16:creationId xmlns:a16="http://schemas.microsoft.com/office/drawing/2014/main" id="{5D1A6EB0-FD15-4655-9F74-4DF53EFC6EF3}"/>
               </a:ext>
             </a:extLst>
           </p:cNvPr>
@@ -2165,7 +2178,7 @@
           <p:cNvPr id="2" name="제목 1">
             <a:extLst>
               <a:ext uri="{FF2B5EF4-FFF2-40B4-BE49-F238E27FC236}">
-                <a16:creationId xmlns:a16="http://schemas.microsoft.com/office/drawing/2014/main" xmlns="" id="{5E2A3EAC-64A8-4F9E-B6BD-33B0C6396AB6}"/>
+                <a16:creationId xmlns:a16="http://schemas.microsoft.com/office/drawing/2014/main" id="{5E2A3EAC-64A8-4F9E-B6BD-33B0C6396AB6}"/>
               </a:ext>
             </a:extLst>
           </p:cNvPr>
@@ -2202,7 +2215,7 @@
           <p:cNvPr id="3" name="내용 개체 틀 2">
             <a:extLst>
               <a:ext uri="{FF2B5EF4-FFF2-40B4-BE49-F238E27FC236}">
-                <a16:creationId xmlns:a16="http://schemas.microsoft.com/office/drawing/2014/main" xmlns="" id="{A5776432-825F-434F-8C62-1A5C1C753B7A}"/>
+                <a16:creationId xmlns:a16="http://schemas.microsoft.com/office/drawing/2014/main" id="{A5776432-825F-434F-8C62-1A5C1C753B7A}"/>
               </a:ext>
             </a:extLst>
           </p:cNvPr>
@@ -2292,7 +2305,7 @@
           <p:cNvPr id="4" name="텍스트 개체 틀 3">
             <a:extLst>
               <a:ext uri="{FF2B5EF4-FFF2-40B4-BE49-F238E27FC236}">
-                <a16:creationId xmlns:a16="http://schemas.microsoft.com/office/drawing/2014/main" xmlns="" id="{8B961F4F-700A-4A07-8B0E-04B4A270A0AF}"/>
+                <a16:creationId xmlns:a16="http://schemas.microsoft.com/office/drawing/2014/main" id="{8B961F4F-700A-4A07-8B0E-04B4A270A0AF}"/>
               </a:ext>
             </a:extLst>
           </p:cNvPr>
@@ -2363,7 +2376,7 @@
           <p:cNvPr id="5" name="날짜 개체 틀 4">
             <a:extLst>
               <a:ext uri="{FF2B5EF4-FFF2-40B4-BE49-F238E27FC236}">
-                <a16:creationId xmlns:a16="http://schemas.microsoft.com/office/drawing/2014/main" xmlns="" id="{409B8D49-3126-43C2-BFEC-7FDAF300626B}"/>
+                <a16:creationId xmlns:a16="http://schemas.microsoft.com/office/drawing/2014/main" id="{409B8D49-3126-43C2-BFEC-7FDAF300626B}"/>
               </a:ext>
             </a:extLst>
           </p:cNvPr>
@@ -2381,7 +2394,7 @@
           <a:p>
             <a:fld id="{5BD3D61C-91E8-4975-B752-B0ED7D93F697}" type="datetimeFigureOut">
               <a:rPr lang="ko-KR" altLang="en-US" smtClean="0"/>
-              <a:t>2021-04-26</a:t>
+              <a:t>2023-05-08</a:t>
             </a:fld>
             <a:endParaRPr lang="ko-KR" altLang="en-US"/>
           </a:p>
@@ -2392,7 +2405,7 @@
           <p:cNvPr id="6" name="바닥글 개체 틀 5">
             <a:extLst>
               <a:ext uri="{FF2B5EF4-FFF2-40B4-BE49-F238E27FC236}">
-                <a16:creationId xmlns:a16="http://schemas.microsoft.com/office/drawing/2014/main" xmlns="" id="{A1A35F09-7E7B-444E-A7C0-3FD16D2AD957}"/>
+                <a16:creationId xmlns:a16="http://schemas.microsoft.com/office/drawing/2014/main" id="{A1A35F09-7E7B-444E-A7C0-3FD16D2AD957}"/>
               </a:ext>
             </a:extLst>
           </p:cNvPr>
@@ -2417,7 +2430,7 @@
           <p:cNvPr id="7" name="슬라이드 번호 개체 틀 6">
             <a:extLst>
               <a:ext uri="{FF2B5EF4-FFF2-40B4-BE49-F238E27FC236}">
-                <a16:creationId xmlns:a16="http://schemas.microsoft.com/office/drawing/2014/main" xmlns="" id="{8FAC7B80-29C2-472F-989D-14F79369A53E}"/>
+                <a16:creationId xmlns:a16="http://schemas.microsoft.com/office/drawing/2014/main" id="{8FAC7B80-29C2-472F-989D-14F79369A53E}"/>
               </a:ext>
             </a:extLst>
           </p:cNvPr>
@@ -2476,7 +2489,7 @@
           <p:cNvPr id="2" name="제목 1">
             <a:extLst>
               <a:ext uri="{FF2B5EF4-FFF2-40B4-BE49-F238E27FC236}">
-                <a16:creationId xmlns:a16="http://schemas.microsoft.com/office/drawing/2014/main" xmlns="" id="{400E60F4-E3A4-415F-881F-94115EAA2EC1}"/>
+                <a16:creationId xmlns:a16="http://schemas.microsoft.com/office/drawing/2014/main" id="{400E60F4-E3A4-415F-881F-94115EAA2EC1}"/>
               </a:ext>
             </a:extLst>
           </p:cNvPr>
@@ -2513,7 +2526,7 @@
           <p:cNvPr id="3" name="그림 개체 틀 2">
             <a:extLst>
               <a:ext uri="{FF2B5EF4-FFF2-40B4-BE49-F238E27FC236}">
-                <a16:creationId xmlns:a16="http://schemas.microsoft.com/office/drawing/2014/main" xmlns="" id="{C69A3372-5DAC-4069-B8E1-3F7B1366F81B}"/>
+                <a16:creationId xmlns:a16="http://schemas.microsoft.com/office/drawing/2014/main" id="{C69A3372-5DAC-4069-B8E1-3F7B1366F81B}"/>
               </a:ext>
             </a:extLst>
           </p:cNvPr>
@@ -2580,7 +2593,7 @@
           <p:cNvPr id="4" name="텍스트 개체 틀 3">
             <a:extLst>
               <a:ext uri="{FF2B5EF4-FFF2-40B4-BE49-F238E27FC236}">
-                <a16:creationId xmlns:a16="http://schemas.microsoft.com/office/drawing/2014/main" xmlns="" id="{4543FF44-8BF4-4FB1-81EC-C255E5518810}"/>
+                <a16:creationId xmlns:a16="http://schemas.microsoft.com/office/drawing/2014/main" id="{4543FF44-8BF4-4FB1-81EC-C255E5518810}"/>
               </a:ext>
             </a:extLst>
           </p:cNvPr>
@@ -2651,7 +2664,7 @@
           <p:cNvPr id="5" name="날짜 개체 틀 4">
             <a:extLst>
               <a:ext uri="{FF2B5EF4-FFF2-40B4-BE49-F238E27FC236}">
-                <a16:creationId xmlns:a16="http://schemas.microsoft.com/office/drawing/2014/main" xmlns="" id="{963F91A5-CFF3-4FEC-963D-056C85E75421}"/>
+                <a16:creationId xmlns:a16="http://schemas.microsoft.com/office/drawing/2014/main" id="{963F91A5-CFF3-4FEC-963D-056C85E75421}"/>
               </a:ext>
             </a:extLst>
           </p:cNvPr>
@@ -2669,7 +2682,7 @@
           <a:p>
             <a:fld id="{5BD3D61C-91E8-4975-B752-B0ED7D93F697}" type="datetimeFigureOut">
               <a:rPr lang="ko-KR" altLang="en-US" smtClean="0"/>
-              <a:t>2021-04-26</a:t>
+              <a:t>2023-05-08</a:t>
             </a:fld>
             <a:endParaRPr lang="ko-KR" altLang="en-US"/>
           </a:p>
@@ -2680,7 +2693,7 @@
           <p:cNvPr id="6" name="바닥글 개체 틀 5">
             <a:extLst>
               <a:ext uri="{FF2B5EF4-FFF2-40B4-BE49-F238E27FC236}">
-                <a16:creationId xmlns:a16="http://schemas.microsoft.com/office/drawing/2014/main" xmlns="" id="{355914A5-9561-4C1C-A0DE-0EFF39B4A0A3}"/>
+                <a16:creationId xmlns:a16="http://schemas.microsoft.com/office/drawing/2014/main" id="{355914A5-9561-4C1C-A0DE-0EFF39B4A0A3}"/>
               </a:ext>
             </a:extLst>
           </p:cNvPr>
@@ -2705,7 +2718,7 @@
           <p:cNvPr id="7" name="슬라이드 번호 개체 틀 6">
             <a:extLst>
               <a:ext uri="{FF2B5EF4-FFF2-40B4-BE49-F238E27FC236}">
-                <a16:creationId xmlns:a16="http://schemas.microsoft.com/office/drawing/2014/main" xmlns="" id="{796A670A-82AE-4A90-B8A3-083B59C77E7D}"/>
+                <a16:creationId xmlns:a16="http://schemas.microsoft.com/office/drawing/2014/main" id="{796A670A-82AE-4A90-B8A3-083B59C77E7D}"/>
               </a:ext>
             </a:extLst>
           </p:cNvPr>
@@ -2769,7 +2782,7 @@
           <p:cNvPr id="2" name="제목 개체 틀 1">
             <a:extLst>
               <a:ext uri="{FF2B5EF4-FFF2-40B4-BE49-F238E27FC236}">
-                <a16:creationId xmlns:a16="http://schemas.microsoft.com/office/drawing/2014/main" xmlns="" id="{104ACBE5-D800-4AB6-BA18-8CE9F5240278}"/>
+                <a16:creationId xmlns:a16="http://schemas.microsoft.com/office/drawing/2014/main" id="{104ACBE5-D800-4AB6-BA18-8CE9F5240278}"/>
               </a:ext>
             </a:extLst>
           </p:cNvPr>
@@ -2807,7 +2820,7 @@
           <p:cNvPr id="3" name="텍스트 개체 틀 2">
             <a:extLst>
               <a:ext uri="{FF2B5EF4-FFF2-40B4-BE49-F238E27FC236}">
-                <a16:creationId xmlns:a16="http://schemas.microsoft.com/office/drawing/2014/main" xmlns="" id="{A6654B5F-D7B7-4514-BAD5-FD122D76DE2F}"/>
+                <a16:creationId xmlns:a16="http://schemas.microsoft.com/office/drawing/2014/main" id="{A6654B5F-D7B7-4514-BAD5-FD122D76DE2F}"/>
               </a:ext>
             </a:extLst>
           </p:cNvPr>
@@ -2874,7 +2887,7 @@
           <p:cNvPr id="4" name="날짜 개체 틀 3">
             <a:extLst>
               <a:ext uri="{FF2B5EF4-FFF2-40B4-BE49-F238E27FC236}">
-                <a16:creationId xmlns:a16="http://schemas.microsoft.com/office/drawing/2014/main" xmlns="" id="{028A1D55-0ECE-4DB1-BAE1-80C435A1315B}"/>
+                <a16:creationId xmlns:a16="http://schemas.microsoft.com/office/drawing/2014/main" id="{028A1D55-0ECE-4DB1-BAE1-80C435A1315B}"/>
               </a:ext>
             </a:extLst>
           </p:cNvPr>
@@ -2910,7 +2923,7 @@
           <a:p>
             <a:fld id="{5BD3D61C-91E8-4975-B752-B0ED7D93F697}" type="datetimeFigureOut">
               <a:rPr lang="ko-KR" altLang="en-US" smtClean="0"/>
-              <a:t>2021-04-26</a:t>
+              <a:t>2023-05-08</a:t>
             </a:fld>
             <a:endParaRPr lang="ko-KR" altLang="en-US"/>
           </a:p>
@@ -2921,7 +2934,7 @@
           <p:cNvPr id="5" name="바닥글 개체 틀 4">
             <a:extLst>
               <a:ext uri="{FF2B5EF4-FFF2-40B4-BE49-F238E27FC236}">
-                <a16:creationId xmlns:a16="http://schemas.microsoft.com/office/drawing/2014/main" xmlns="" id="{6D9E9544-1868-4252-B071-6951878053C4}"/>
+                <a16:creationId xmlns:a16="http://schemas.microsoft.com/office/drawing/2014/main" id="{6D9E9544-1868-4252-B071-6951878053C4}"/>
               </a:ext>
             </a:extLst>
           </p:cNvPr>
@@ -2964,7 +2977,7 @@
           <p:cNvPr id="6" name="슬라이드 번호 개체 틀 5">
             <a:extLst>
               <a:ext uri="{FF2B5EF4-FFF2-40B4-BE49-F238E27FC236}">
-                <a16:creationId xmlns:a16="http://schemas.microsoft.com/office/drawing/2014/main" xmlns="" id="{930563F1-C736-4B8E-8108-C74B883FF4CE}"/>
+                <a16:creationId xmlns:a16="http://schemas.microsoft.com/office/drawing/2014/main" id="{930563F1-C736-4B8E-8108-C74B883FF4CE}"/>
               </a:ext>
             </a:extLst>
           </p:cNvPr>
@@ -3340,7 +3353,7 @@
           <p:cNvPr id="3" name="그림 2">
             <a:extLst>
               <a:ext uri="{FF2B5EF4-FFF2-40B4-BE49-F238E27FC236}">
-                <a16:creationId xmlns:a16="http://schemas.microsoft.com/office/drawing/2014/main" xmlns="" id="{955EBE03-7A64-4D14-BE04-30E09CE0A2D4}"/>
+                <a16:creationId xmlns:a16="http://schemas.microsoft.com/office/drawing/2014/main" id="{955EBE03-7A64-4D14-BE04-30E09CE0A2D4}"/>
               </a:ext>
             </a:extLst>
           </p:cNvPr>
@@ -3379,6 +3392,107 @@
 </file>
 
 <file path=ppt/slides/slide2.xml><?xml version="1.0" encoding="utf-8"?>
+<p:sld xmlns:a="http://schemas.openxmlformats.org/drawingml/2006/main" xmlns:r="http://schemas.openxmlformats.org/officeDocument/2006/relationships" xmlns:p="http://schemas.openxmlformats.org/presentationml/2006/main">
+  <p:cSld>
+    <p:spTree>
+      <p:nvGrpSpPr>
+        <p:cNvPr id="1" name=""/>
+        <p:cNvGrpSpPr/>
+        <p:nvPr/>
+      </p:nvGrpSpPr>
+      <p:grpSpPr>
+        <a:xfrm>
+          <a:off x="0" y="0"/>
+          <a:ext cx="0" cy="0"/>
+          <a:chOff x="0" y="0"/>
+          <a:chExt cx="0" cy="0"/>
+        </a:xfrm>
+      </p:grpSpPr>
+      <p:pic>
+        <p:nvPicPr>
+          <p:cNvPr id="3" name="그림 2">
+            <a:extLst>
+              <a:ext uri="{FF2B5EF4-FFF2-40B4-BE49-F238E27FC236}">
+                <a16:creationId xmlns:a16="http://schemas.microsoft.com/office/drawing/2014/main" id="{955EBE03-7A64-4D14-BE04-30E09CE0A2D4}"/>
+              </a:ext>
+            </a:extLst>
+          </p:cNvPr>
+          <p:cNvPicPr>
+            <a:picLocks noChangeAspect="1"/>
+          </p:cNvPicPr>
+          <p:nvPr/>
+        </p:nvPicPr>
+        <p:blipFill>
+          <a:blip r:embed="rId2"/>
+          <a:stretch>
+            <a:fillRect/>
+          </a:stretch>
+        </p:blipFill>
+        <p:spPr>
+          <a:xfrm>
+            <a:off x="2227868" y="527901"/>
+            <a:ext cx="7736264" cy="5802198"/>
+          </a:xfrm>
+          <a:prstGeom prst="rect">
+            <a:avLst/>
+          </a:prstGeom>
+        </p:spPr>
+      </p:pic>
+      <p:sp>
+        <p:nvSpPr>
+          <p:cNvPr id="2" name="TextBox 1">
+            <a:extLst>
+              <a:ext uri="{FF2B5EF4-FFF2-40B4-BE49-F238E27FC236}">
+                <a16:creationId xmlns:a16="http://schemas.microsoft.com/office/drawing/2014/main" id="{CE623ADB-0877-5318-DFA8-96A912B560D0}"/>
+              </a:ext>
+            </a:extLst>
+          </p:cNvPr>
+          <p:cNvSpPr txBox="1"/>
+          <p:nvPr/>
+        </p:nvSpPr>
+        <p:spPr>
+          <a:xfrm>
+            <a:off x="4947127" y="5960767"/>
+            <a:ext cx="2297745" cy="369332"/>
+          </a:xfrm>
+          <a:prstGeom prst="rect">
+            <a:avLst/>
+          </a:prstGeom>
+          <a:solidFill>
+            <a:schemeClr val="bg1"/>
+          </a:solidFill>
+        </p:spPr>
+        <p:txBody>
+          <a:bodyPr wrap="none" rtlCol="0">
+            <a:spAutoFit/>
+          </a:bodyPr>
+          <a:lstStyle/>
+          <a:p>
+            <a:r>
+              <a:rPr lang="en-US" dirty="0"/>
+              <a:t>Count </a:t>
+            </a:r>
+            <a:r>
+              <a:rPr lang="en-US"/>
+              <a:t>of success(k)</a:t>
+            </a:r>
+          </a:p>
+        </p:txBody>
+      </p:sp>
+    </p:spTree>
+    <p:extLst>
+      <p:ext uri="{BB962C8B-B14F-4D97-AF65-F5344CB8AC3E}">
+        <p14:creationId xmlns:p14="http://schemas.microsoft.com/office/powerpoint/2010/main" val="235246593"/>
+      </p:ext>
+    </p:extLst>
+  </p:cSld>
+  <p:clrMapOvr>
+    <a:masterClrMapping/>
+  </p:clrMapOvr>
+</p:sld>
+</file>
+
+<file path=ppt/slides/slide3.xml><?xml version="1.0" encoding="utf-8"?>
 <p:sld xmlns:a="http://schemas.openxmlformats.org/drawingml/2006/main" xmlns:r="http://schemas.openxmlformats.org/officeDocument/2006/relationships" xmlns:p="http://schemas.openxmlformats.org/presentationml/2006/main">
   <p:cSld>
     <p:spTree>
@@ -3587,8 +3701,8 @@
           </a:extLst>
         </p:spPr>
       </p:pic>
-      <mc:AlternateContent xmlns:mc="http://schemas.openxmlformats.org/markup-compatibility/2006">
-        <mc:Choice xmlns:a14="http://schemas.microsoft.com/office/drawing/2010/main" Requires="a14">
+      <mc:AlternateContent xmlns:mc="http://schemas.openxmlformats.org/markup-compatibility/2006" xmlns:a14="http://schemas.microsoft.com/office/drawing/2010/main">
+        <mc:Choice Requires="a14">
           <p:sp>
             <p:nvSpPr>
               <p:cNvPr id="5" name="TextBox 4"/>
@@ -3623,21 +3737,17 @@
                   </m:oMath>
                 </a14:m>
                 <a:r>
-                  <a:rPr lang="ko-KR" altLang="en-US" sz="1400" dirty="0" smtClean="0">
+                  <a:rPr lang="ko-KR" altLang="en-US" sz="1400" dirty="0">
                     <a:latin typeface="KoPub돋움체 Bold" pitchFamily="18" charset="-127"/>
                     <a:ea typeface="KoPub돋움체 Bold" pitchFamily="18" charset="-127"/>
                   </a:rPr>
                   <a:t>이 꽤 작은 경우</a:t>
                 </a:r>
-                <a:endParaRPr lang="ko-KR" altLang="en-US" sz="1400" dirty="0">
-                  <a:latin typeface="KoPub돋움체 Bold" pitchFamily="18" charset="-127"/>
-                  <a:ea typeface="KoPub돋움체 Bold" pitchFamily="18" charset="-127"/>
-                </a:endParaRPr>
               </a:p>
             </p:txBody>
           </p:sp>
         </mc:Choice>
-        <mc:Fallback>
+        <mc:Fallback xmlns="">
           <p:sp>
             <p:nvSpPr>
               <p:cNvPr id="5" name="TextBox 4"/>
@@ -3676,8 +3786,8 @@
           </p:sp>
         </mc:Fallback>
       </mc:AlternateContent>
-      <mc:AlternateContent xmlns:mc="http://schemas.openxmlformats.org/markup-compatibility/2006">
-        <mc:Choice xmlns:a14="http://schemas.microsoft.com/office/drawing/2010/main" Requires="a14">
+      <mc:AlternateContent xmlns:mc="http://schemas.openxmlformats.org/markup-compatibility/2006" xmlns:a14="http://schemas.microsoft.com/office/drawing/2010/main">
+        <mc:Choice Requires="a14">
           <p:sp>
             <p:nvSpPr>
               <p:cNvPr id="10" name="TextBox 9"/>
@@ -3712,14 +3822,14 @@
                   </m:oMath>
                 </a14:m>
                 <a:r>
-                  <a:rPr lang="ko-KR" altLang="en-US" sz="1400" dirty="0" smtClean="0">
+                  <a:rPr lang="ko-KR" altLang="en-US" sz="1400" dirty="0">
                     <a:latin typeface="KoPub돋움체 Bold" pitchFamily="18" charset="-127"/>
                     <a:ea typeface="KoPub돋움체 Bold" pitchFamily="18" charset="-127"/>
                   </a:rPr>
                   <a:t>은 충분히 크지만</a:t>
                 </a:r>
                 <a:r>
-                  <a:rPr lang="en-US" altLang="ko-KR" sz="1400" dirty="0" smtClean="0">
+                  <a:rPr lang="en-US" altLang="ko-KR" sz="1400" dirty="0">
                     <a:latin typeface="KoPub돋움체 Bold" pitchFamily="18" charset="-127"/>
                     <a:ea typeface="KoPub돋움체 Bold" pitchFamily="18" charset="-127"/>
                   </a:rPr>
@@ -3736,21 +3846,17 @@
                   </m:oMath>
                 </a14:m>
                 <a:r>
-                  <a:rPr lang="ko-KR" altLang="en-US" sz="1400" dirty="0" smtClean="0">
+                  <a:rPr lang="ko-KR" altLang="en-US" sz="1400" dirty="0">
                     <a:latin typeface="KoPub돋움체 Bold" pitchFamily="18" charset="-127"/>
                     <a:ea typeface="KoPub돋움체 Bold" pitchFamily="18" charset="-127"/>
                   </a:rPr>
                   <a:t>가 작은 경우</a:t>
                 </a:r>
-                <a:endParaRPr lang="ko-KR" altLang="en-US" sz="1400" dirty="0">
-                  <a:latin typeface="KoPub돋움체 Bold" pitchFamily="18" charset="-127"/>
-                  <a:ea typeface="KoPub돋움체 Bold" pitchFamily="18" charset="-127"/>
-                </a:endParaRPr>
               </a:p>
             </p:txBody>
           </p:sp>
         </mc:Choice>
-        <mc:Fallback>
+        <mc:Fallback xmlns="">
           <p:sp>
             <p:nvSpPr>
               <p:cNvPr id="10" name="TextBox 9"/>
@@ -3789,8 +3895,8 @@
           </p:sp>
         </mc:Fallback>
       </mc:AlternateContent>
-      <mc:AlternateContent xmlns:mc="http://schemas.openxmlformats.org/markup-compatibility/2006">
-        <mc:Choice xmlns:a14="http://schemas.microsoft.com/office/drawing/2010/main" Requires="a14">
+      <mc:AlternateContent xmlns:mc="http://schemas.openxmlformats.org/markup-compatibility/2006" xmlns:a14="http://schemas.microsoft.com/office/drawing/2010/main">
+        <mc:Choice Requires="a14">
           <p:sp>
             <p:nvSpPr>
               <p:cNvPr id="11" name="TextBox 10"/>
@@ -3825,14 +3931,14 @@
                   </m:oMath>
                 </a14:m>
                 <a:r>
-                  <a:rPr lang="ko-KR" altLang="en-US" sz="1400" dirty="0" smtClean="0">
+                  <a:rPr lang="ko-KR" altLang="en-US" sz="1400" dirty="0">
                     <a:latin typeface="KoPub돋움체 Bold" pitchFamily="18" charset="-127"/>
                     <a:ea typeface="KoPub돋움체 Bold" pitchFamily="18" charset="-127"/>
                   </a:rPr>
                   <a:t>은 충분히 크지만</a:t>
                 </a:r>
                 <a:r>
-                  <a:rPr lang="en-US" altLang="ko-KR" sz="1400" dirty="0" smtClean="0">
+                  <a:rPr lang="en-US" altLang="ko-KR" sz="1400" dirty="0">
                     <a:latin typeface="KoPub돋움체 Bold" pitchFamily="18" charset="-127"/>
                     <a:ea typeface="KoPub돋움체 Bold" pitchFamily="18" charset="-127"/>
                   </a:rPr>
@@ -3849,21 +3955,17 @@
                   </m:oMath>
                 </a14:m>
                 <a:r>
-                  <a:rPr lang="ko-KR" altLang="en-US" sz="1400" dirty="0" smtClean="0">
+                  <a:rPr lang="ko-KR" altLang="en-US" sz="1400" dirty="0">
                     <a:latin typeface="KoPub돋움체 Bold" pitchFamily="18" charset="-127"/>
                     <a:ea typeface="KoPub돋움체 Bold" pitchFamily="18" charset="-127"/>
                   </a:rPr>
                   <a:t>가 큰 경우</a:t>
                 </a:r>
-                <a:endParaRPr lang="ko-KR" altLang="en-US" sz="1400" dirty="0">
-                  <a:latin typeface="KoPub돋움체 Bold" pitchFamily="18" charset="-127"/>
-                  <a:ea typeface="KoPub돋움체 Bold" pitchFamily="18" charset="-127"/>
-                </a:endParaRPr>
               </a:p>
             </p:txBody>
           </p:sp>
         </mc:Choice>
-        <mc:Fallback>
+        <mc:Fallback xmlns="">
           <p:sp>
             <p:nvSpPr>
               <p:cNvPr id="11" name="TextBox 10"/>
@@ -3906,6 +4008,530 @@
     <p:extLst>
       <p:ext uri="{BB962C8B-B14F-4D97-AF65-F5344CB8AC3E}">
         <p14:creationId xmlns:p14="http://schemas.microsoft.com/office/powerpoint/2010/main" val="1188533444"/>
+      </p:ext>
+    </p:extLst>
+  </p:cSld>
+  <p:clrMapOvr>
+    <a:masterClrMapping/>
+  </p:clrMapOvr>
+</p:sld>
+</file>
+
+<file path=ppt/slides/slide4.xml><?xml version="1.0" encoding="utf-8"?>
+<p:sld xmlns:a="http://schemas.openxmlformats.org/drawingml/2006/main" xmlns:r="http://schemas.openxmlformats.org/officeDocument/2006/relationships" xmlns:p="http://schemas.openxmlformats.org/presentationml/2006/main">
+  <p:cSld>
+    <p:spTree>
+      <p:nvGrpSpPr>
+        <p:cNvPr id="1" name=""/>
+        <p:cNvGrpSpPr/>
+        <p:nvPr/>
+      </p:nvGrpSpPr>
+      <p:grpSpPr>
+        <a:xfrm>
+          <a:off x="0" y="0"/>
+          <a:ext cx="0" cy="0"/>
+          <a:chOff x="0" y="0"/>
+          <a:chExt cx="0" cy="0"/>
+        </a:xfrm>
+      </p:grpSpPr>
+      <p:pic>
+        <p:nvPicPr>
+          <p:cNvPr id="1026" name="Picture 2"/>
+          <p:cNvPicPr>
+            <a:picLocks noChangeAspect="1" noChangeArrowheads="1"/>
+          </p:cNvPicPr>
+          <p:nvPr/>
+        </p:nvPicPr>
+        <p:blipFill>
+          <a:blip r:embed="rId2">
+            <a:extLst>
+              <a:ext uri="{28A0092B-C50C-407E-A947-70E740481C1C}">
+                <a14:useLocalDpi xmlns:a14="http://schemas.microsoft.com/office/drawing/2010/main" val="0"/>
+              </a:ext>
+            </a:extLst>
+          </a:blip>
+          <a:srcRect/>
+          <a:stretch>
+            <a:fillRect/>
+          </a:stretch>
+        </p:blipFill>
+        <p:spPr bwMode="auto">
+          <a:xfrm>
+            <a:off x="791048" y="1706862"/>
+            <a:ext cx="3477781" cy="3444276"/>
+          </a:xfrm>
+          <a:prstGeom prst="rect">
+            <a:avLst/>
+          </a:prstGeom>
+          <a:noFill/>
+          <a:ln>
+            <a:noFill/>
+          </a:ln>
+          <a:effectLst/>
+          <a:extLst>
+            <a:ext uri="{909E8E84-426E-40DD-AFC4-6F175D3DCCD1}">
+              <a14:hiddenFill xmlns:a14="http://schemas.microsoft.com/office/drawing/2010/main">
+                <a:solidFill>
+                  <a:schemeClr val="accent1"/>
+                </a:solidFill>
+              </a14:hiddenFill>
+            </a:ext>
+            <a:ext uri="{91240B29-F687-4F45-9708-019B960494DF}">
+              <a14:hiddenLine xmlns:a14="http://schemas.microsoft.com/office/drawing/2010/main" w="9525">
+                <a:solidFill>
+                  <a:schemeClr val="tx1"/>
+                </a:solidFill>
+                <a:miter lim="800000"/>
+                <a:headEnd/>
+                <a:tailEnd/>
+              </a14:hiddenLine>
+            </a:ext>
+            <a:ext uri="{AF507438-7753-43E0-B8FC-AC1667EBCBE1}">
+              <a14:hiddenEffects xmlns:a14="http://schemas.microsoft.com/office/drawing/2010/main">
+                <a:effectLst>
+                  <a:outerShdw dist="35921" dir="2700000" algn="ctr" rotWithShape="0">
+                    <a:schemeClr val="bg2"/>
+                  </a:outerShdw>
+                </a:effectLst>
+              </a14:hiddenEffects>
+            </a:ext>
+          </a:extLst>
+        </p:spPr>
+      </p:pic>
+      <p:pic>
+        <p:nvPicPr>
+          <p:cNvPr id="1028" name="Picture 4"/>
+          <p:cNvPicPr>
+            <a:picLocks noChangeAspect="1" noChangeArrowheads="1"/>
+          </p:cNvPicPr>
+          <p:nvPr/>
+        </p:nvPicPr>
+        <p:blipFill>
+          <a:blip r:embed="rId3">
+            <a:extLst>
+              <a:ext uri="{28A0092B-C50C-407E-A947-70E740481C1C}">
+                <a14:useLocalDpi xmlns:a14="http://schemas.microsoft.com/office/drawing/2010/main" val="0"/>
+              </a:ext>
+            </a:extLst>
+          </a:blip>
+          <a:srcRect/>
+          <a:stretch>
+            <a:fillRect/>
+          </a:stretch>
+        </p:blipFill>
+        <p:spPr bwMode="auto">
+          <a:xfrm>
+            <a:off x="4380485" y="1706862"/>
+            <a:ext cx="3444276" cy="3444276"/>
+          </a:xfrm>
+          <a:prstGeom prst="rect">
+            <a:avLst/>
+          </a:prstGeom>
+          <a:noFill/>
+          <a:ln>
+            <a:noFill/>
+          </a:ln>
+          <a:effectLst/>
+          <a:extLst>
+            <a:ext uri="{909E8E84-426E-40DD-AFC4-6F175D3DCCD1}">
+              <a14:hiddenFill xmlns:a14="http://schemas.microsoft.com/office/drawing/2010/main">
+                <a:solidFill>
+                  <a:schemeClr val="accent1"/>
+                </a:solidFill>
+              </a14:hiddenFill>
+            </a:ext>
+            <a:ext uri="{91240B29-F687-4F45-9708-019B960494DF}">
+              <a14:hiddenLine xmlns:a14="http://schemas.microsoft.com/office/drawing/2010/main" w="9525">
+                <a:solidFill>
+                  <a:schemeClr val="tx1"/>
+                </a:solidFill>
+                <a:miter lim="800000"/>
+                <a:headEnd/>
+                <a:tailEnd/>
+              </a14:hiddenLine>
+            </a:ext>
+            <a:ext uri="{AF507438-7753-43E0-B8FC-AC1667EBCBE1}">
+              <a14:hiddenEffects xmlns:a14="http://schemas.microsoft.com/office/drawing/2010/main">
+                <a:effectLst>
+                  <a:outerShdw dist="35921" dir="2700000" algn="ctr" rotWithShape="0">
+                    <a:schemeClr val="bg2"/>
+                  </a:outerShdw>
+                </a:effectLst>
+              </a14:hiddenEffects>
+            </a:ext>
+          </a:extLst>
+        </p:spPr>
+      </p:pic>
+      <p:pic>
+        <p:nvPicPr>
+          <p:cNvPr id="1029" name="Picture 5"/>
+          <p:cNvPicPr>
+            <a:picLocks noChangeAspect="1" noChangeArrowheads="1"/>
+          </p:cNvPicPr>
+          <p:nvPr/>
+        </p:nvPicPr>
+        <p:blipFill>
+          <a:blip r:embed="rId4">
+            <a:extLst>
+              <a:ext uri="{28A0092B-C50C-407E-A947-70E740481C1C}">
+                <a14:useLocalDpi xmlns:a14="http://schemas.microsoft.com/office/drawing/2010/main" val="0"/>
+              </a:ext>
+            </a:extLst>
+          </a:blip>
+          <a:srcRect/>
+          <a:stretch>
+            <a:fillRect/>
+          </a:stretch>
+        </p:blipFill>
+        <p:spPr bwMode="auto">
+          <a:xfrm>
+            <a:off x="7936417" y="1706862"/>
+            <a:ext cx="3464536" cy="3444276"/>
+          </a:xfrm>
+          <a:prstGeom prst="rect">
+            <a:avLst/>
+          </a:prstGeom>
+          <a:noFill/>
+          <a:ln>
+            <a:noFill/>
+          </a:ln>
+          <a:effectLst/>
+          <a:extLst>
+            <a:ext uri="{909E8E84-426E-40DD-AFC4-6F175D3DCCD1}">
+              <a14:hiddenFill xmlns:a14="http://schemas.microsoft.com/office/drawing/2010/main">
+                <a:solidFill>
+                  <a:schemeClr val="accent1"/>
+                </a:solidFill>
+              </a14:hiddenFill>
+            </a:ext>
+            <a:ext uri="{91240B29-F687-4F45-9708-019B960494DF}">
+              <a14:hiddenLine xmlns:a14="http://schemas.microsoft.com/office/drawing/2010/main" w="9525">
+                <a:solidFill>
+                  <a:schemeClr val="tx1"/>
+                </a:solidFill>
+                <a:miter lim="800000"/>
+                <a:headEnd/>
+                <a:tailEnd/>
+              </a14:hiddenLine>
+            </a:ext>
+            <a:ext uri="{AF507438-7753-43E0-B8FC-AC1667EBCBE1}">
+              <a14:hiddenEffects xmlns:a14="http://schemas.microsoft.com/office/drawing/2010/main">
+                <a:effectLst>
+                  <a:outerShdw dist="35921" dir="2700000" algn="ctr" rotWithShape="0">
+                    <a:schemeClr val="bg2"/>
+                  </a:outerShdw>
+                </a:effectLst>
+              </a14:hiddenEffects>
+            </a:ext>
+          </a:extLst>
+        </p:spPr>
+      </p:pic>
+      <mc:AlternateContent xmlns:mc="http://schemas.openxmlformats.org/markup-compatibility/2006">
+        <mc:Choice xmlns:a14="http://schemas.microsoft.com/office/drawing/2010/main" Requires="a14">
+          <p:sp>
+            <p:nvSpPr>
+              <p:cNvPr id="5" name="TextBox 4"/>
+              <p:cNvSpPr txBox="1"/>
+              <p:nvPr/>
+            </p:nvSpPr>
+            <p:spPr>
+              <a:xfrm>
+                <a:off x="1704167" y="1406105"/>
+                <a:ext cx="1787156" cy="307777"/>
+              </a:xfrm>
+              <a:prstGeom prst="rect">
+                <a:avLst/>
+              </a:prstGeom>
+              <a:noFill/>
+            </p:spPr>
+            <p:txBody>
+              <a:bodyPr wrap="none" rtlCol="0">
+                <a:spAutoFit/>
+              </a:bodyPr>
+              <a:lstStyle/>
+              <a:p>
+                <a:pPr algn="ctr"/>
+                <a:r>
+                  <a:rPr lang="en-US" altLang="ko-KR" sz="1400" dirty="0">
+                    <a:latin typeface="KoPub돋움체 Bold" pitchFamily="18" charset="-127"/>
+                    <a:ea typeface="KoPub돋움체 Bold" pitchFamily="18" charset="-127"/>
+                  </a:rPr>
+                  <a:t>When </a:t>
+                </a:r>
+                <a14:m>
+                  <m:oMath xmlns:m="http://schemas.openxmlformats.org/officeDocument/2006/math">
+                    <m:r>
+                      <a:rPr lang="en-US" altLang="ko-KR" sz="1400" i="1" dirty="0" smtClean="0">
+                        <a:latin typeface="Cambria Math" panose="02040503050406030204" pitchFamily="18" charset="0"/>
+                        <a:ea typeface="KoPub돋움체 Bold" pitchFamily="18" charset="-127"/>
+                      </a:rPr>
+                      <m:t>𝑛</m:t>
+                    </m:r>
+                  </m:oMath>
+                </a14:m>
+                <a:r>
+                  <a:rPr lang="en-US" altLang="ko-KR" sz="1400" dirty="0">
+                    <a:latin typeface="KoPub돋움체 Bold" pitchFamily="18" charset="-127"/>
+                    <a:ea typeface="KoPub돋움체 Bold" pitchFamily="18" charset="-127"/>
+                  </a:rPr>
+                  <a:t> is too small</a:t>
+                </a:r>
+                <a:endParaRPr lang="ko-KR" altLang="en-US" sz="1400" dirty="0">
+                  <a:latin typeface="KoPub돋움체 Bold" pitchFamily="18" charset="-127"/>
+                  <a:ea typeface="KoPub돋움체 Bold" pitchFamily="18" charset="-127"/>
+                </a:endParaRPr>
+              </a:p>
+            </p:txBody>
+          </p:sp>
+        </mc:Choice>
+        <mc:Fallback>
+          <p:sp>
+            <p:nvSpPr>
+              <p:cNvPr id="5" name="TextBox 4"/>
+              <p:cNvSpPr txBox="1">
+                <a:spLocks noRot="1" noChangeAspect="1" noMove="1" noResize="1" noEditPoints="1" noAdjustHandles="1" noChangeArrowheads="1" noChangeShapeType="1" noTextEdit="1"/>
+              </p:cNvSpPr>
+              <p:nvPr/>
+            </p:nvSpPr>
+            <p:spPr>
+              <a:xfrm>
+                <a:off x="1704167" y="1406105"/>
+                <a:ext cx="1787156" cy="307777"/>
+              </a:xfrm>
+              <a:prstGeom prst="rect">
+                <a:avLst/>
+              </a:prstGeom>
+              <a:blipFill>
+                <a:blip r:embed="rId5"/>
+                <a:stretch>
+                  <a:fillRect l="-1024" t="-4000" r="-683" b="-20000"/>
+                </a:stretch>
+              </a:blipFill>
+            </p:spPr>
+            <p:txBody>
+              <a:bodyPr/>
+              <a:lstStyle/>
+              <a:p>
+                <a:r>
+                  <a:rPr lang="en-US">
+                    <a:noFill/>
+                  </a:rPr>
+                  <a:t> </a:t>
+                </a:r>
+              </a:p>
+            </p:txBody>
+          </p:sp>
+        </mc:Fallback>
+      </mc:AlternateContent>
+      <mc:AlternateContent xmlns:mc="http://schemas.openxmlformats.org/markup-compatibility/2006">
+        <mc:Choice xmlns:a14="http://schemas.microsoft.com/office/drawing/2010/main" Requires="a14">
+          <p:sp>
+            <p:nvSpPr>
+              <p:cNvPr id="10" name="TextBox 9"/>
+              <p:cNvSpPr txBox="1"/>
+              <p:nvPr/>
+            </p:nvSpPr>
+            <p:spPr>
+              <a:xfrm>
+                <a:off x="5202477" y="1406105"/>
+                <a:ext cx="1785104" cy="307777"/>
+              </a:xfrm>
+              <a:prstGeom prst="rect">
+                <a:avLst/>
+              </a:prstGeom>
+              <a:noFill/>
+            </p:spPr>
+            <p:txBody>
+              <a:bodyPr wrap="none" rtlCol="0">
+                <a:spAutoFit/>
+              </a:bodyPr>
+              <a:lstStyle/>
+              <a:p>
+                <a:pPr algn="ctr"/>
+                <a:r>
+                  <a:rPr lang="en-US" altLang="ko-KR" sz="1400" b="0" dirty="0"/>
+                  <a:t>Large </a:t>
+                </a:r>
+                <a14:m>
+                  <m:oMath xmlns:m="http://schemas.openxmlformats.org/officeDocument/2006/math">
+                    <m:r>
+                      <a:rPr lang="en-US" altLang="ko-KR" sz="1400" b="0" i="1" dirty="0" smtClean="0">
+                        <a:latin typeface="Cambria Math" panose="02040503050406030204" pitchFamily="18" charset="0"/>
+                      </a:rPr>
+                      <m:t>𝑛</m:t>
+                    </m:r>
+                  </m:oMath>
+                </a14:m>
+                <a:r>
+                  <a:rPr lang="en-US" altLang="ko-KR" sz="1400" b="0" dirty="0"/>
+                  <a:t> but small </a:t>
+                </a:r>
+                <a14:m>
+                  <m:oMath xmlns:m="http://schemas.openxmlformats.org/officeDocument/2006/math">
+                    <m:r>
+                      <a:rPr lang="en-US" altLang="ko-KR" sz="1400" b="0" i="1" dirty="0" smtClean="0">
+                        <a:latin typeface="Cambria Math" panose="02040503050406030204" pitchFamily="18" charset="0"/>
+                      </a:rPr>
+                      <m:t>𝑝</m:t>
+                    </m:r>
+                  </m:oMath>
+                </a14:m>
+                <a:endParaRPr lang="ko-KR" altLang="en-US" sz="1400" dirty="0">
+                  <a:latin typeface="KoPub돋움체 Bold" pitchFamily="18" charset="-127"/>
+                  <a:ea typeface="KoPub돋움체 Bold" pitchFamily="18" charset="-127"/>
+                </a:endParaRPr>
+              </a:p>
+            </p:txBody>
+          </p:sp>
+        </mc:Choice>
+        <mc:Fallback>
+          <p:sp>
+            <p:nvSpPr>
+              <p:cNvPr id="10" name="TextBox 9"/>
+              <p:cNvSpPr txBox="1">
+                <a:spLocks noRot="1" noChangeAspect="1" noMove="1" noResize="1" noEditPoints="1" noAdjustHandles="1" noChangeArrowheads="1" noChangeShapeType="1" noTextEdit="1"/>
+              </p:cNvSpPr>
+              <p:nvPr/>
+            </p:nvSpPr>
+            <p:spPr>
+              <a:xfrm>
+                <a:off x="5202477" y="1406105"/>
+                <a:ext cx="1785104" cy="307777"/>
+              </a:xfrm>
+              <a:prstGeom prst="rect">
+                <a:avLst/>
+              </a:prstGeom>
+              <a:blipFill>
+                <a:blip r:embed="rId6"/>
+                <a:stretch>
+                  <a:fillRect l="-683" t="-8000" b="-16000"/>
+                </a:stretch>
+              </a:blipFill>
+            </p:spPr>
+            <p:txBody>
+              <a:bodyPr/>
+              <a:lstStyle/>
+              <a:p>
+                <a:r>
+                  <a:rPr lang="en-US">
+                    <a:noFill/>
+                  </a:rPr>
+                  <a:t> </a:t>
+                </a:r>
+              </a:p>
+            </p:txBody>
+          </p:sp>
+        </mc:Fallback>
+      </mc:AlternateContent>
+      <mc:AlternateContent xmlns:mc="http://schemas.openxmlformats.org/markup-compatibility/2006">
+        <mc:Choice xmlns:a14="http://schemas.microsoft.com/office/drawing/2010/main" Requires="a14">
+          <p:sp>
+            <p:nvSpPr>
+              <p:cNvPr id="11" name="TextBox 10"/>
+              <p:cNvSpPr txBox="1"/>
+              <p:nvPr/>
+            </p:nvSpPr>
+            <p:spPr>
+              <a:xfrm>
+                <a:off x="8782107" y="1406105"/>
+                <a:ext cx="1768113" cy="307777"/>
+              </a:xfrm>
+              <a:prstGeom prst="rect">
+                <a:avLst/>
+              </a:prstGeom>
+              <a:noFill/>
+            </p:spPr>
+            <p:txBody>
+              <a:bodyPr wrap="none" rtlCol="0">
+                <a:spAutoFit/>
+              </a:bodyPr>
+              <a:lstStyle/>
+              <a:p>
+                <a:pPr algn="ctr"/>
+                <a:r>
+                  <a:rPr lang="en-US" altLang="ko-KR" sz="1400" dirty="0">
+                    <a:ea typeface="KoPub돋움체 Bold" pitchFamily="18" charset="-127"/>
+                  </a:rPr>
+                  <a:t>Large </a:t>
+                </a:r>
+                <a14:m>
+                  <m:oMath xmlns:m="http://schemas.openxmlformats.org/officeDocument/2006/math">
+                    <m:r>
+                      <a:rPr lang="en-US" altLang="ko-KR" sz="1400" i="1" dirty="0" smtClean="0">
+                        <a:latin typeface="Cambria Math" panose="02040503050406030204" pitchFamily="18" charset="0"/>
+                        <a:ea typeface="KoPub돋움체 Bold" pitchFamily="18" charset="-127"/>
+                      </a:rPr>
+                      <m:t>𝑛</m:t>
+                    </m:r>
+                  </m:oMath>
+                </a14:m>
+                <a:r>
+                  <a:rPr lang="en-US" altLang="ko-KR" sz="1400" dirty="0">
+                    <a:ea typeface="KoPub돋움체 Bold" pitchFamily="18" charset="-127"/>
+                  </a:rPr>
+                  <a:t> but large </a:t>
+                </a:r>
+                <a14:m>
+                  <m:oMath xmlns:m="http://schemas.openxmlformats.org/officeDocument/2006/math">
+                    <m:r>
+                      <a:rPr lang="en-US" altLang="ko-KR" sz="1400" i="1" dirty="0" smtClean="0">
+                        <a:latin typeface="Cambria Math" panose="02040503050406030204" pitchFamily="18" charset="0"/>
+                        <a:ea typeface="KoPub돋움체 Bold" pitchFamily="18" charset="-127"/>
+                      </a:rPr>
+                      <m:t>𝑝</m:t>
+                    </m:r>
+                  </m:oMath>
+                </a14:m>
+                <a:endParaRPr lang="ko-KR" altLang="en-US" sz="1400" dirty="0">
+                  <a:ea typeface="KoPub돋움체 Bold" pitchFamily="18" charset="-127"/>
+                </a:endParaRPr>
+              </a:p>
+            </p:txBody>
+          </p:sp>
+        </mc:Choice>
+        <mc:Fallback>
+          <p:sp>
+            <p:nvSpPr>
+              <p:cNvPr id="11" name="TextBox 10"/>
+              <p:cNvSpPr txBox="1">
+                <a:spLocks noRot="1" noChangeAspect="1" noMove="1" noResize="1" noEditPoints="1" noAdjustHandles="1" noChangeArrowheads="1" noChangeShapeType="1" noTextEdit="1"/>
+              </p:cNvSpPr>
+              <p:nvPr/>
+            </p:nvSpPr>
+            <p:spPr>
+              <a:xfrm>
+                <a:off x="8782107" y="1406105"/>
+                <a:ext cx="1768113" cy="307777"/>
+              </a:xfrm>
+              <a:prstGeom prst="rect">
+                <a:avLst/>
+              </a:prstGeom>
+              <a:blipFill>
+                <a:blip r:embed="rId7"/>
+                <a:stretch>
+                  <a:fillRect l="-690" t="-4000" b="-20000"/>
+                </a:stretch>
+              </a:blipFill>
+            </p:spPr>
+            <p:txBody>
+              <a:bodyPr/>
+              <a:lstStyle/>
+              <a:p>
+                <a:r>
+                  <a:rPr lang="en-US">
+                    <a:noFill/>
+                  </a:rPr>
+                  <a:t> </a:t>
+                </a:r>
+              </a:p>
+            </p:txBody>
+          </p:sp>
+        </mc:Fallback>
+      </mc:AlternateContent>
+    </p:spTree>
+    <p:extLst>
+      <p:ext uri="{BB962C8B-B14F-4D97-AF65-F5344CB8AC3E}">
+        <p14:creationId xmlns:p14="http://schemas.microsoft.com/office/powerpoint/2010/main" val="2795425122"/>
       </p:ext>
     </p:extLst>
   </p:cSld>
@@ -4204,7 +4830,7 @@
   <a:extraClrSchemeLst/>
   <a:extLst>
     <a:ext uri="{05A4C25C-085E-4340-85A3-A5531E510DB2}">
-      <thm15:themeFamily xmlns:thm15="http://schemas.microsoft.com/office/thememl/2012/main" xmlns="" name="Office Theme" id="{62F939B6-93AF-4DB8-9C6B-D6C7DFDC589F}" vid="{4A3C46E8-61CC-4603-A589-7422A47A8E4A}"/>
+      <thm15:themeFamily xmlns:thm15="http://schemas.microsoft.com/office/thememl/2012/main" name="Office Theme" id="{62F939B6-93AF-4DB8-9C6B-D6C7DFDC589F}" vid="{4A3C46E8-61CC-4603-A589-7422A47A8E4A}"/>
     </a:ext>
   </a:extLst>
 </a:theme>
